--- a/Rice and Jump.pptx
+++ b/Rice and Jump.pptx
@@ -240,7 +240,7 @@
             <a:pPr algn="r" rtl="0"/>
             <a:fld id="{EA8C5A89-D750-4C9C-AD82-BD87E1631370}" type="datetime1">
               <a:rPr lang="de-DE" smtClean="0"/>
-              <a:t>09.12.2018</a:t>
+              <a:t>16.12.2018</a:t>
             </a:fld>
             <a:endParaRPr lang="de-DE" dirty="0"/>
           </a:p>
@@ -410,7 +410,7 @@
             <a:fld id="{729E0972-DB1D-4D71-93B8-56ECB99C47FF}" type="datetime1">
               <a:rPr lang="de-DE" smtClean="0"/>
               <a:pPr/>
-              <a:t>09.12.2018</a:t>
+              <a:t>16.12.2018</a:t>
             </a:fld>
             <a:endParaRPr lang="de-DE" dirty="0"/>
           </a:p>
@@ -1614,7 +1614,7 @@
             <a:fld id="{87490488-1D2D-45FC-A42D-25F856479C81}" type="datetime1">
               <a:rPr lang="de-DE" smtClean="0"/>
               <a:pPr/>
-              <a:t>09.12.2018</a:t>
+              <a:t>16.12.2018</a:t>
             </a:fld>
             <a:endParaRPr lang="de-DE" dirty="0"/>
           </a:p>
@@ -1820,7 +1820,7 @@
             <a:fld id="{A0E48D7D-22EE-42F4-A78D-BF51DA417E59}" type="datetime1">
               <a:rPr lang="de-DE" smtClean="0"/>
               <a:pPr/>
-              <a:t>09.12.2018</a:t>
+              <a:t>16.12.2018</a:t>
             </a:fld>
             <a:endParaRPr lang="de-DE" dirty="0"/>
           </a:p>
@@ -2036,7 +2036,7 @@
             <a:fld id="{29457F39-CBF0-4D6E-8223-6AABCE028B0C}" type="datetime1">
               <a:rPr lang="de-DE" smtClean="0"/>
               <a:pPr/>
-              <a:t>09.12.2018</a:t>
+              <a:t>16.12.2018</a:t>
             </a:fld>
             <a:endParaRPr lang="de-DE" dirty="0"/>
           </a:p>
@@ -2242,7 +2242,7 @@
             <a:fld id="{3D80A33B-F0D3-4CCD-934C-3A418D338F48}" type="datetime1">
               <a:rPr lang="de-DE" smtClean="0"/>
               <a:pPr/>
-              <a:t>09.12.2018</a:t>
+              <a:t>16.12.2018</a:t>
             </a:fld>
             <a:endParaRPr lang="de-DE" dirty="0"/>
           </a:p>
@@ -2682,7 +2682,7 @@
             <a:fld id="{5800029A-92A0-4B83-B83D-3D25E123C16B}" type="datetime1">
               <a:rPr lang="de-DE" smtClean="0"/>
               <a:pPr/>
-              <a:t>09.12.2018</a:t>
+              <a:t>16.12.2018</a:t>
             </a:fld>
             <a:endParaRPr lang="de-DE" dirty="0"/>
           </a:p>
@@ -2994,7 +2994,7 @@
             <a:fld id="{A50DE14F-832E-4243-A64C-072E4112B828}" type="datetime1">
               <a:rPr lang="de-DE" smtClean="0"/>
               <a:pPr/>
-              <a:t>09.12.2018</a:t>
+              <a:t>16.12.2018</a:t>
             </a:fld>
             <a:endParaRPr lang="de-DE" dirty="0"/>
           </a:p>
@@ -3458,7 +3458,7 @@
             <a:fld id="{9CA0E625-2BCF-471C-BF07-3E47DAD03A33}" type="datetime1">
               <a:rPr lang="de-DE" smtClean="0"/>
               <a:pPr/>
-              <a:t>09.12.2018</a:t>
+              <a:t>16.12.2018</a:t>
             </a:fld>
             <a:endParaRPr lang="de-DE" dirty="0"/>
           </a:p>
@@ -3596,7 +3596,7 @@
             <a:fld id="{01F216F1-5E6C-4D1E-8B04-BA461CF83008}" type="datetime1">
               <a:rPr lang="de-DE" smtClean="0"/>
               <a:pPr/>
-              <a:t>09.12.2018</a:t>
+              <a:t>16.12.2018</a:t>
             </a:fld>
             <a:endParaRPr lang="de-DE" dirty="0"/>
           </a:p>
@@ -3710,7 +3710,7 @@
             <a:fld id="{978460F5-0682-4F91-B958-17F2E22238F4}" type="datetime1">
               <a:rPr lang="de-DE" smtClean="0"/>
               <a:pPr/>
-              <a:t>09.12.2018</a:t>
+              <a:t>16.12.2018</a:t>
             </a:fld>
             <a:endParaRPr lang="de-DE" dirty="0"/>
           </a:p>
@@ -4017,7 +4017,7 @@
             <a:fld id="{432E1AF8-0C97-41FF-9C69-BFEB0F5A6EF5}" type="datetime1">
               <a:rPr lang="de-DE" smtClean="0"/>
               <a:pPr/>
-              <a:t>09.12.2018</a:t>
+              <a:t>16.12.2018</a:t>
             </a:fld>
             <a:endParaRPr lang="de-DE" dirty="0"/>
           </a:p>
@@ -4314,7 +4314,7 @@
             <a:fld id="{9DAA85DC-AC20-450F-8EFE-0D856D5BDC88}" type="datetime1">
               <a:rPr lang="de-DE" smtClean="0"/>
               <a:pPr/>
-              <a:t>09.12.2018</a:t>
+              <a:t>16.12.2018</a:t>
             </a:fld>
             <a:endParaRPr lang="de-DE" dirty="0"/>
           </a:p>
@@ -4940,7 +4940,7 @@
             <a:fld id="{D5E7EBCA-1808-4B9E-8140-5B390D90011A}" type="datetime1">
               <a:rPr lang="de-DE" smtClean="0"/>
               <a:pPr/>
-              <a:t>09.12.2018</a:t>
+              <a:t>16.12.2018</a:t>
             </a:fld>
             <a:endParaRPr lang="de-DE" dirty="0"/>
           </a:p>
@@ -6244,15 +6244,7 @@
             </a:r>
             <a:r>
               <a:rPr lang="de-DE" dirty="0" smtClean="0"/>
-              <a:t>, </a:t>
-            </a:r>
-            <a:r>
-              <a:rPr lang="de-DE" dirty="0" smtClean="0"/>
-              <a:t>Code </a:t>
-            </a:r>
-            <a:r>
-              <a:rPr lang="de-DE" dirty="0" smtClean="0"/>
-              <a:t>und Programm Vorstellung</a:t>
+              <a:t>, Code und Programm Vorstellung</a:t>
             </a:r>
             <a:endParaRPr lang="de-DE" dirty="0"/>
           </a:p>
@@ -7265,7 +7257,6 @@
               <a:rPr lang="de-DE" dirty="0" smtClean="0"/>
               <a:t>Projektstrukturplan</a:t>
             </a:r>
-            <a:endParaRPr lang="de-DE" dirty="0" smtClean="0"/>
           </a:p>
           <a:p>
             <a:pPr rtl="0"/>
@@ -7719,7 +7710,7 @@
           <a:graphicData uri="http://schemas.openxmlformats.org/presentationml/2006/ole">
             <mc:AlternateContent xmlns:mc="http://schemas.openxmlformats.org/markup-compatibility/2006">
               <mc:Choice xmlns:v="urn:schemas-microsoft-com:vml" Requires="v">
-                <p:oleObj spid="_x0000_s1030" name="Dokument" r:id="rId5" imgW="13499646" imgH="10111323" progId="Word.Document.12">
+                <p:oleObj spid="_x0000_s1031" name="Dokument" r:id="rId5" imgW="13499646" imgH="10111323" progId="Word.Document.12">
                   <p:embed/>
                 </p:oleObj>
               </mc:Choice>
@@ -8084,102 +8075,69 @@
         </p:nvSpPr>
         <p:spPr/>
         <p:txBody>
-          <a:bodyPr/>
+          <a:bodyPr>
+            <a:normAutofit/>
+          </a:bodyPr>
           <a:lstStyle/>
           <a:p>
             <a:r>
-              <a:rPr lang="de-DE" dirty="0">
-                <a:hlinkClick r:id="rId2"/>
+              <a:rPr lang="de-DE" dirty="0" smtClean="0">
+                <a:hlinkClick r:id="rId2" action="ppaction://hlinkfile"/>
               </a:rPr>
-              <a:t>Meeting </a:t>
-            </a:r>
-            <a:r>
-              <a:rPr lang="de-DE" dirty="0" err="1">
-                <a:hlinkClick r:id="rId2"/>
+              <a:t>Meeting Protokoll 09.12.18</a:t>
+            </a:r>
+          </a:p>
+          <a:p>
+            <a:r>
+              <a:rPr lang="de-DE" dirty="0" smtClean="0">
+                <a:hlinkClick r:id="rId2" action="ppaction://hlinkfile"/>
               </a:rPr>
-              <a:t>Protokol</a:t>
-            </a:r>
-            <a:r>
-              <a:rPr lang="de-DE" dirty="0">
-                <a:hlinkClick r:id="rId2"/>
+              <a:t>Meeting Protokoll 12.11.18</a:t>
+            </a:r>
+            <a:endParaRPr lang="de-DE" dirty="0" smtClean="0">
+              <a:hlinkClick r:id="rId2" action="ppaction://hlinkfile"/>
+            </a:endParaRPr>
+          </a:p>
+          <a:p>
+            <a:r>
+              <a:rPr lang="de-DE" dirty="0" smtClean="0">
+                <a:hlinkClick r:id="rId3" action="ppaction://hlinkfile"/>
               </a:rPr>
-              <a:t> 23.09.18</a:t>
-            </a:r>
-            <a:endParaRPr lang="de-DE" dirty="0"/>
+              <a:t>Meeting Protokoll 13.10.18</a:t>
+            </a:r>
+            <a:endParaRPr lang="de-DE" dirty="0" smtClean="0"/>
           </a:p>
           <a:p>
             <a:r>
               <a:rPr lang="de-DE" dirty="0" smtClean="0">
-                <a:hlinkClick r:id="rId3"/>
+                <a:hlinkClick r:id="rId4" action="ppaction://hlinkfile"/>
               </a:rPr>
-              <a:t>Meeting </a:t>
-            </a:r>
-            <a:r>
-              <a:rPr lang="de-DE" dirty="0" err="1" smtClean="0">
-                <a:hlinkClick r:id="rId3"/>
+              <a:t>Meeting Protokoll 21.10.18</a:t>
+            </a:r>
+            <a:endParaRPr lang="de-DE" dirty="0" smtClean="0"/>
+          </a:p>
+          <a:p>
+            <a:r>
+              <a:rPr lang="de-DE" dirty="0" smtClean="0">
+                <a:hlinkClick r:id="rId5" action="ppaction://hlinkfile"/>
               </a:rPr>
-              <a:t>Protokol</a:t>
-            </a:r>
+              <a:t>Meeting Protokoll 23.09.18</a:t>
+            </a:r>
+            <a:endParaRPr lang="de-DE" dirty="0" smtClean="0"/>
+          </a:p>
+          <a:p>
             <a:r>
               <a:rPr lang="de-DE" dirty="0" smtClean="0">
-                <a:hlinkClick r:id="rId3"/>
+                <a:hlinkClick r:id="rId6" action="ppaction://hlinkfile"/>
               </a:rPr>
-              <a:t> 13.10.18</a:t>
+              <a:t>Meeting Protokoll 26.11.18</a:t>
             </a:r>
             <a:endParaRPr lang="de-DE" dirty="0" smtClean="0"/>
           </a:p>
           <a:p>
             <a:r>
               <a:rPr lang="de-DE" dirty="0" smtClean="0">
-                <a:hlinkClick r:id="rId4"/>
-              </a:rPr>
-              <a:t>Meeting </a:t>
-            </a:r>
-            <a:r>
-              <a:rPr lang="de-DE" dirty="0" err="1" smtClean="0">
-                <a:hlinkClick r:id="rId4"/>
-              </a:rPr>
-              <a:t>Protokol</a:t>
-            </a:r>
-            <a:r>
-              <a:rPr lang="de-DE" dirty="0" smtClean="0">
-                <a:hlinkClick r:id="rId4"/>
-              </a:rPr>
-              <a:t> 21.10.18</a:t>
-            </a:r>
-            <a:endParaRPr lang="de-DE" dirty="0" smtClean="0"/>
-          </a:p>
-          <a:p>
-            <a:r>
-              <a:rPr lang="de-DE" dirty="0" err="1" smtClean="0">
-                <a:hlinkClick r:id="rId5"/>
-              </a:rPr>
-              <a:t>Meetong</a:t>
-            </a:r>
-            <a:r>
-              <a:rPr lang="de-DE" dirty="0" smtClean="0">
-                <a:hlinkClick r:id="rId5"/>
-              </a:rPr>
-              <a:t> </a:t>
-            </a:r>
-            <a:r>
-              <a:rPr lang="de-DE" dirty="0" err="1" smtClean="0">
-                <a:hlinkClick r:id="rId5"/>
-              </a:rPr>
-              <a:t>Protokol</a:t>
-            </a:r>
-            <a:r>
-              <a:rPr lang="de-DE" dirty="0" smtClean="0">
-                <a:hlinkClick r:id="rId5"/>
-              </a:rPr>
-              <a:t> 09.12.18</a:t>
-            </a:r>
-            <a:endParaRPr lang="de-DE" dirty="0" smtClean="0"/>
-          </a:p>
-          <a:p>
-            <a:r>
-              <a:rPr lang="de-DE" dirty="0" smtClean="0">
-                <a:hlinkClick r:id="rId6"/>
+                <a:hlinkClick r:id="rId7" action="ppaction://hlinkfile"/>
               </a:rPr>
               <a:t>Pflichtenheft</a:t>
             </a:r>
@@ -8196,7 +8154,7 @@
           <p:nvPr/>
         </p:nvPicPr>
         <p:blipFill>
-          <a:blip r:embed="rId7">
+          <a:blip r:embed="rId8">
             <a:extLst>
               <a:ext uri="{28A0092B-C50C-407E-A947-70E740481C1C}">
                 <a14:useLocalDpi xmlns:a14="http://schemas.microsoft.com/office/drawing/2010/main" val="0"/>
@@ -8226,7 +8184,7 @@
           <p:nvPr/>
         </p:nvPicPr>
         <p:blipFill>
-          <a:blip r:embed="rId8">
+          <a:blip r:embed="rId9">
             <a:extLst>
               <a:ext uri="{28A0092B-C50C-407E-A947-70E740481C1C}">
                 <a14:useLocalDpi xmlns:a14="http://schemas.microsoft.com/office/drawing/2010/main" val="0"/>
@@ -8256,7 +8214,7 @@
           <p:nvPr/>
         </p:nvPicPr>
         <p:blipFill>
-          <a:blip r:embed="rId9">
+          <a:blip r:embed="rId10">
             <a:extLst>
               <a:ext uri="{28A0092B-C50C-407E-A947-70E740481C1C}">
                 <a14:useLocalDpi xmlns:a14="http://schemas.microsoft.com/office/drawing/2010/main" val="0"/>
@@ -8286,7 +8244,7 @@
           <p:nvPr/>
         </p:nvPicPr>
         <p:blipFill>
-          <a:blip r:embed="rId8">
+          <a:blip r:embed="rId9">
             <a:extLst>
               <a:ext uri="{28A0092B-C50C-407E-A947-70E740481C1C}">
                 <a14:useLocalDpi xmlns:a14="http://schemas.microsoft.com/office/drawing/2010/main" val="0"/>
@@ -8316,7 +8274,7 @@
           <p:nvPr/>
         </p:nvPicPr>
         <p:blipFill>
-          <a:blip r:embed="rId10">
+          <a:blip r:embed="rId11">
             <a:extLst>
               <a:ext uri="{28A0092B-C50C-407E-A947-70E740481C1C}">
                 <a14:useLocalDpi xmlns:a14="http://schemas.microsoft.com/office/drawing/2010/main" val="0"/>
@@ -8409,8 +8367,8 @@
           </a:p>
         </p:txBody>
       </p:sp>
-      <mc:AlternateContent xmlns:mc="http://schemas.openxmlformats.org/markup-compatibility/2006">
-        <mc:Choice xmlns:a14="http://schemas.microsoft.com/office/drawing/2010/main" Requires="a14">
+      <mc:AlternateContent xmlns:mc="http://schemas.openxmlformats.org/markup-compatibility/2006" xmlns:a14="http://schemas.microsoft.com/office/drawing/2010/main">
+        <mc:Choice Requires="a14">
           <p:graphicFrame>
             <p:nvGraphicFramePr>
               <p:cNvPr id="10" name="Tabelle 9"/>
@@ -8768,11 +8726,7 @@
                           <a:pPr algn="ctr"/>
                           <a:r>
                             <a:rPr lang="de-DE" dirty="0" smtClean="0"/>
-                            <a:t>{ </a:t>
-                          </a:r>
-                          <a:r>
-                            <a:rPr lang="de-DE" dirty="0" smtClean="0"/>
-                            <a:t>1 }</a:t>
+                            <a:t>{ 1 }</a:t>
                           </a:r>
                           <a:endParaRPr lang="de-DE" dirty="0"/>
                         </a:p>
@@ -8843,11 +8797,7 @@
                           <a:pPr algn="ctr"/>
                           <a:r>
                             <a:rPr lang="de-DE" dirty="0" smtClean="0"/>
-                            <a:t>{ 1,5 </a:t>
-                          </a:r>
-                          <a:r>
-                            <a:rPr lang="de-DE" dirty="0" smtClean="0"/>
-                            <a:t>}</a:t>
+                            <a:t>{ 1,5 }</a:t>
                           </a:r>
                           <a:endParaRPr lang="de-DE" dirty="0"/>
                         </a:p>
@@ -8989,11 +8939,7 @@
                           <a:pPr algn="ctr"/>
                           <a:r>
                             <a:rPr lang="de-DE" dirty="0" smtClean="0"/>
-                            <a:t>{ </a:t>
-                          </a:r>
-                          <a:r>
-                            <a:rPr lang="de-DE" dirty="0" smtClean="0"/>
-                            <a:t>}</a:t>
+                            <a:t>{ }</a:t>
                           </a:r>
                           <a:endParaRPr lang="de-DE" dirty="0"/>
                         </a:p>
@@ -9168,7 +9114,7 @@
             </a:graphic>
           </p:graphicFrame>
         </mc:Choice>
-        <mc:Fallback>
+        <mc:Fallback xmlns="">
           <p:graphicFrame>
             <p:nvGraphicFramePr>
               <p:cNvPr id="10" name="Tabelle 9"/>
@@ -14575,6 +14521,142 @@
 </file>
 
 <file path=customXml/item2.xml><?xml version="1.0" encoding="utf-8"?>
+<p:properties xmlns:p="http://schemas.microsoft.com/office/2006/metadata/properties" xmlns:xsi="http://www.w3.org/2001/XMLSchema-instance" xmlns:pc="http://schemas.microsoft.com/office/infopath/2007/PartnerControls">
+  <documentManagement>
+    <LocPublishedLinkedAssetsLookup xmlns="4873beb7-5857-4685-be1f-d57550cc96cc" xsi:nil="true"/>
+    <ApprovalStatus xmlns="4873beb7-5857-4685-be1f-d57550cc96cc">InProgress</ApprovalStatus>
+    <MarketSpecific xmlns="4873beb7-5857-4685-be1f-d57550cc96cc">false</MarketSpecific>
+    <LocComments xmlns="4873beb7-5857-4685-be1f-d57550cc96cc" xsi:nil="true"/>
+    <LocLastLocAttemptVersionTypeLookup xmlns="4873beb7-5857-4685-be1f-d57550cc96cc" xsi:nil="true"/>
+    <DirectSourceMarket xmlns="4873beb7-5857-4685-be1f-d57550cc96cc" xsi:nil="true"/>
+    <ThumbnailAssetId xmlns="4873beb7-5857-4685-be1f-d57550cc96cc" xsi:nil="true"/>
+    <PrimaryImageGen xmlns="4873beb7-5857-4685-be1f-d57550cc96cc">false</PrimaryImageGen>
+    <LocNewPublishedVersionLookup xmlns="4873beb7-5857-4685-be1f-d57550cc96cc" xsi:nil="true"/>
+    <LegacyData xmlns="4873beb7-5857-4685-be1f-d57550cc96cc" xsi:nil="true"/>
+    <LocRecommendedHandoff xmlns="4873beb7-5857-4685-be1f-d57550cc96cc" xsi:nil="true"/>
+    <BusinessGroup xmlns="4873beb7-5857-4685-be1f-d57550cc96cc" xsi:nil="true"/>
+    <BlockPublish xmlns="4873beb7-5857-4685-be1f-d57550cc96cc">false</BlockPublish>
+    <TPFriendlyName xmlns="4873beb7-5857-4685-be1f-d57550cc96cc" xsi:nil="true"/>
+    <LocOverallPublishStatusLookup xmlns="4873beb7-5857-4685-be1f-d57550cc96cc" xsi:nil="true"/>
+    <NumericId xmlns="4873beb7-5857-4685-be1f-d57550cc96cc" xsi:nil="true"/>
+    <APEditor xmlns="4873beb7-5857-4685-be1f-d57550cc96cc">
+      <UserInfo>
+        <DisplayName/>
+        <AccountId xsi:nil="true"/>
+        <AccountType/>
+      </UserInfo>
+    </APEditor>
+    <SourceTitle xmlns="4873beb7-5857-4685-be1f-d57550cc96cc" xsi:nil="true"/>
+    <OpenTemplate xmlns="4873beb7-5857-4685-be1f-d57550cc96cc">true</OpenTemplate>
+    <LocOverallLocStatusLookup xmlns="4873beb7-5857-4685-be1f-d57550cc96cc" xsi:nil="true"/>
+    <UALocComments xmlns="4873beb7-5857-4685-be1f-d57550cc96cc" xsi:nil="true"/>
+    <ParentAssetId xmlns="4873beb7-5857-4685-be1f-d57550cc96cc" xsi:nil="true"/>
+    <IntlLangReviewDate xmlns="4873beb7-5857-4685-be1f-d57550cc96cc" xsi:nil="true"/>
+    <FeatureTagsTaxHTField0 xmlns="4873beb7-5857-4685-be1f-d57550cc96cc">
+      <Terms xmlns="http://schemas.microsoft.com/office/infopath/2007/PartnerControls"/>
+    </FeatureTagsTaxHTField0>
+    <PublishStatusLookup xmlns="4873beb7-5857-4685-be1f-d57550cc96cc">
+      <Value>1345093</Value>
+    </PublishStatusLookup>
+    <Providers xmlns="4873beb7-5857-4685-be1f-d57550cc96cc" xsi:nil="true"/>
+    <MachineTranslated xmlns="4873beb7-5857-4685-be1f-d57550cc96cc">false</MachineTranslated>
+    <OriginalSourceMarket xmlns="4873beb7-5857-4685-be1f-d57550cc96cc" xsi:nil="true"/>
+    <APDescription xmlns="4873beb7-5857-4685-be1f-d57550cc96cc">This simple template design works for technology and  businesses, but it's versatile enough to use in other contexts.  It features multiple slide layouts designed for widescreen (16x9 resolution) and includes a sample SmartArt list and chart that are easily editable.</APDescription>
+    <ClipArtFilename xmlns="4873beb7-5857-4685-be1f-d57550cc96cc" xsi:nil="true"/>
+    <ContentItem xmlns="4873beb7-5857-4685-be1f-d57550cc96cc" xsi:nil="true"/>
+    <TPInstallLocation xmlns="4873beb7-5857-4685-be1f-d57550cc96cc" xsi:nil="true"/>
+    <PublishTargets xmlns="4873beb7-5857-4685-be1f-d57550cc96cc">OfficeOnlineVNext</PublishTargets>
+    <TimesCloned xmlns="4873beb7-5857-4685-be1f-d57550cc96cc" xsi:nil="true"/>
+    <AssetStart xmlns="4873beb7-5857-4685-be1f-d57550cc96cc">2011-11-26T00:30:00+00:00</AssetStart>
+    <Provider xmlns="4873beb7-5857-4685-be1f-d57550cc96cc" xsi:nil="true"/>
+    <AcquiredFrom xmlns="4873beb7-5857-4685-be1f-d57550cc96cc">Internal MS</AcquiredFrom>
+    <FriendlyTitle xmlns="4873beb7-5857-4685-be1f-d57550cc96cc" xsi:nil="true"/>
+    <LastHandOff xmlns="4873beb7-5857-4685-be1f-d57550cc96cc" xsi:nil="true"/>
+    <TPClientViewer xmlns="4873beb7-5857-4685-be1f-d57550cc96cc" xsi:nil="true"/>
+    <TemplateStatus xmlns="4873beb7-5857-4685-be1f-d57550cc96cc">Complete</TemplateStatus>
+    <Downloads xmlns="4873beb7-5857-4685-be1f-d57550cc96cc">0</Downloads>
+    <OOCacheId xmlns="4873beb7-5857-4685-be1f-d57550cc96cc" xsi:nil="true"/>
+    <IsDeleted xmlns="4873beb7-5857-4685-be1f-d57550cc96cc">false</IsDeleted>
+    <LocPublishedDependentAssetsLookup xmlns="4873beb7-5857-4685-be1f-d57550cc96cc" xsi:nil="true"/>
+    <TPExecutable xmlns="4873beb7-5857-4685-be1f-d57550cc96cc" xsi:nil="true"/>
+    <EditorialTags xmlns="4873beb7-5857-4685-be1f-d57550cc96cc" xsi:nil="true"/>
+    <SubmitterId xmlns="4873beb7-5857-4685-be1f-d57550cc96cc" xsi:nil="true"/>
+    <ApprovalLog xmlns="4873beb7-5857-4685-be1f-d57550cc96cc" xsi:nil="true"/>
+    <AssetType xmlns="4873beb7-5857-4685-be1f-d57550cc96cc">TP</AssetType>
+    <BugNumber xmlns="4873beb7-5857-4685-be1f-d57550cc96cc" xsi:nil="true"/>
+    <CSXSubmissionDate xmlns="4873beb7-5857-4685-be1f-d57550cc96cc" xsi:nil="true"/>
+    <CSXUpdate xmlns="4873beb7-5857-4685-be1f-d57550cc96cc">false</CSXUpdate>
+    <Milestone xmlns="4873beb7-5857-4685-be1f-d57550cc96cc" xsi:nil="true"/>
+    <RecommendationsModifier xmlns="4873beb7-5857-4685-be1f-d57550cc96cc" xsi:nil="true"/>
+    <OriginAsset xmlns="4873beb7-5857-4685-be1f-d57550cc96cc" xsi:nil="true"/>
+    <TPComponent xmlns="4873beb7-5857-4685-be1f-d57550cc96cc" xsi:nil="true"/>
+    <AssetId xmlns="4873beb7-5857-4685-be1f-d57550cc96cc">TP102787989</AssetId>
+    <IntlLocPriority xmlns="4873beb7-5857-4685-be1f-d57550cc96cc" xsi:nil="true"/>
+    <PolicheckWords xmlns="4873beb7-5857-4685-be1f-d57550cc96cc" xsi:nil="true"/>
+    <TPLaunchHelpLink xmlns="4873beb7-5857-4685-be1f-d57550cc96cc" xsi:nil="true"/>
+    <TPApplication xmlns="4873beb7-5857-4685-be1f-d57550cc96cc" xsi:nil="true"/>
+    <CrawlForDependencies xmlns="4873beb7-5857-4685-be1f-d57550cc96cc">false</CrawlForDependencies>
+    <HandoffToMSDN xmlns="4873beb7-5857-4685-be1f-d57550cc96cc" xsi:nil="true"/>
+    <PlannedPubDate xmlns="4873beb7-5857-4685-be1f-d57550cc96cc" xsi:nil="true"/>
+    <IntlLangReviewer xmlns="4873beb7-5857-4685-be1f-d57550cc96cc" xsi:nil="true"/>
+    <TrustLevel xmlns="4873beb7-5857-4685-be1f-d57550cc96cc">1 Microsoft Managed Content</TrustLevel>
+    <LocLastLocAttemptVersionLookup xmlns="4873beb7-5857-4685-be1f-d57550cc96cc">694266</LocLastLocAttemptVersionLookup>
+    <LocProcessedForHandoffsLookup xmlns="4873beb7-5857-4685-be1f-d57550cc96cc" xsi:nil="true"/>
+    <IsSearchable xmlns="4873beb7-5857-4685-be1f-d57550cc96cc">true</IsSearchable>
+    <TemplateTemplateType xmlns="4873beb7-5857-4685-be1f-d57550cc96cc">PowerPoint Presentation Template</TemplateTemplateType>
+    <CampaignTagsTaxHTField0 xmlns="4873beb7-5857-4685-be1f-d57550cc96cc">
+      <Terms xmlns="http://schemas.microsoft.com/office/infopath/2007/PartnerControls"/>
+    </CampaignTagsTaxHTField0>
+    <TPNamespace xmlns="4873beb7-5857-4685-be1f-d57550cc96cc" xsi:nil="true"/>
+    <LocOverallPreviewStatusLookup xmlns="4873beb7-5857-4685-be1f-d57550cc96cc" xsi:nil="true"/>
+    <TaxCatchAll xmlns="4873beb7-5857-4685-be1f-d57550cc96cc"/>
+    <Markets xmlns="4873beb7-5857-4685-be1f-d57550cc96cc"/>
+    <UAProjectedTotalWords xmlns="4873beb7-5857-4685-be1f-d57550cc96cc" xsi:nil="true"/>
+    <IntlLangReview xmlns="4873beb7-5857-4685-be1f-d57550cc96cc" xsi:nil="true"/>
+    <OutputCachingOn xmlns="4873beb7-5857-4685-be1f-d57550cc96cc">false</OutputCachingOn>
+    <AverageRating xmlns="4873beb7-5857-4685-be1f-d57550cc96cc" xsi:nil="true"/>
+    <APAuthor xmlns="4873beb7-5857-4685-be1f-d57550cc96cc">
+      <UserInfo>
+        <DisplayName>REDMOND\kristaa</DisplayName>
+        <AccountId>136</AccountId>
+        <AccountType/>
+      </UserInfo>
+    </APAuthor>
+    <LocManualTestRequired xmlns="4873beb7-5857-4685-be1f-d57550cc96cc">false</LocManualTestRequired>
+    <TPCommandLine xmlns="4873beb7-5857-4685-be1f-d57550cc96cc" xsi:nil="true"/>
+    <TPAppVersion xmlns="4873beb7-5857-4685-be1f-d57550cc96cc" xsi:nil="true"/>
+    <EditorialStatus xmlns="4873beb7-5857-4685-be1f-d57550cc96cc">Complete</EditorialStatus>
+    <LastModifiedDateTime xmlns="4873beb7-5857-4685-be1f-d57550cc96cc" xsi:nil="true"/>
+    <ScenarioTagsTaxHTField0 xmlns="4873beb7-5857-4685-be1f-d57550cc96cc">
+      <Terms xmlns="http://schemas.microsoft.com/office/infopath/2007/PartnerControls"/>
+    </ScenarioTagsTaxHTField0>
+    <LocProcessedForMarketsLookup xmlns="4873beb7-5857-4685-be1f-d57550cc96cc" xsi:nil="true"/>
+    <TPLaunchHelpLinkType xmlns="4873beb7-5857-4685-be1f-d57550cc96cc">Template</TPLaunchHelpLinkType>
+    <OriginalRelease xmlns="4873beb7-5857-4685-be1f-d57550cc96cc">15</OriginalRelease>
+    <LocalizationTagsTaxHTField0 xmlns="4873beb7-5857-4685-be1f-d57550cc96cc">
+      <Terms xmlns="http://schemas.microsoft.com/office/infopath/2007/PartnerControls"/>
+    </LocalizationTagsTaxHTField0>
+    <UACurrentWords xmlns="4873beb7-5857-4685-be1f-d57550cc96cc" xsi:nil="true"/>
+    <ArtSampleDocs xmlns="4873beb7-5857-4685-be1f-d57550cc96cc" xsi:nil="true"/>
+    <UALocRecommendation xmlns="4873beb7-5857-4685-be1f-d57550cc96cc">Localize</UALocRecommendation>
+    <Manager xmlns="4873beb7-5857-4685-be1f-d57550cc96cc" xsi:nil="true"/>
+    <LocOverallHandbackStatusLookup xmlns="4873beb7-5857-4685-be1f-d57550cc96cc" xsi:nil="true"/>
+    <ShowIn xmlns="4873beb7-5857-4685-be1f-d57550cc96cc">Show everywhere</ShowIn>
+    <UANotes xmlns="4873beb7-5857-4685-be1f-d57550cc96cc" xsi:nil="true"/>
+    <InternalTagsTaxHTField0 xmlns="4873beb7-5857-4685-be1f-d57550cc96cc">
+      <Terms xmlns="http://schemas.microsoft.com/office/infopath/2007/PartnerControls"/>
+    </InternalTagsTaxHTField0>
+    <CSXHash xmlns="4873beb7-5857-4685-be1f-d57550cc96cc" xsi:nil="true"/>
+    <VoteCount xmlns="4873beb7-5857-4685-be1f-d57550cc96cc" xsi:nil="true"/>
+    <AssetExpire xmlns="4873beb7-5857-4685-be1f-d57550cc96cc">2029-05-12T07:00:00+00:00</AssetExpire>
+    <DSATActionTaken xmlns="4873beb7-5857-4685-be1f-d57550cc96cc" xsi:nil="true"/>
+    <CSXSubmissionMarket xmlns="4873beb7-5857-4685-be1f-d57550cc96cc" xsi:nil="true"/>
+    <LocMarketGroupTiers2 xmlns="4873beb7-5857-4685-be1f-d57550cc96cc" xsi:nil="true"/>
+  </documentManagement>
+</p:properties>
+</file>
+
+<file path=customXml/item3.xml><?xml version="1.0" encoding="utf-8"?>
 <ct:contentTypeSchema xmlns:ct="http://schemas.microsoft.com/office/2006/metadata/contentType" xmlns:ma="http://schemas.microsoft.com/office/2006/metadata/properties/metaAttributes" ct:_="" ma:_="" ma:contentTypeName="TemplateFile" ma:contentTypeID="0x0101006EDDDB5EE6D98C44930B742096920B300400F5B6D36B3EF94B4E9A635CDF2A18F5B8" ma:contentTypeVersion="72" ma:contentTypeDescription="Create a new document." ma:contentTypeScope="" ma:versionID="a23e56308344d904b51738559c3d67c9">
   <xsd:schema xmlns:xsd="http://www.w3.org/2001/XMLSchema" xmlns:xs="http://www.w3.org/2001/XMLSchema" xmlns:p="http://schemas.microsoft.com/office/2006/metadata/properties" xmlns:ns2="4873beb7-5857-4685-be1f-d57550cc96cc" targetNamespace="http://schemas.microsoft.com/office/2006/metadata/properties" ma:root="true" ma:fieldsID="cd0908cc4600e77bf5da051303e00c8d" ns2:_="">
     <xsd:import namespace="4873beb7-5857-4685-be1f-d57550cc96cc"/>
@@ -15614,142 +15696,6 @@
 </ct:contentTypeSchema>
 </file>
 
-<file path=customXml/item3.xml><?xml version="1.0" encoding="utf-8"?>
-<p:properties xmlns:p="http://schemas.microsoft.com/office/2006/metadata/properties" xmlns:xsi="http://www.w3.org/2001/XMLSchema-instance" xmlns:pc="http://schemas.microsoft.com/office/infopath/2007/PartnerControls">
-  <documentManagement>
-    <LocPublishedLinkedAssetsLookup xmlns="4873beb7-5857-4685-be1f-d57550cc96cc" xsi:nil="true"/>
-    <ApprovalStatus xmlns="4873beb7-5857-4685-be1f-d57550cc96cc">InProgress</ApprovalStatus>
-    <MarketSpecific xmlns="4873beb7-5857-4685-be1f-d57550cc96cc">false</MarketSpecific>
-    <LocComments xmlns="4873beb7-5857-4685-be1f-d57550cc96cc" xsi:nil="true"/>
-    <LocLastLocAttemptVersionTypeLookup xmlns="4873beb7-5857-4685-be1f-d57550cc96cc" xsi:nil="true"/>
-    <DirectSourceMarket xmlns="4873beb7-5857-4685-be1f-d57550cc96cc" xsi:nil="true"/>
-    <ThumbnailAssetId xmlns="4873beb7-5857-4685-be1f-d57550cc96cc" xsi:nil="true"/>
-    <PrimaryImageGen xmlns="4873beb7-5857-4685-be1f-d57550cc96cc">false</PrimaryImageGen>
-    <LocNewPublishedVersionLookup xmlns="4873beb7-5857-4685-be1f-d57550cc96cc" xsi:nil="true"/>
-    <LegacyData xmlns="4873beb7-5857-4685-be1f-d57550cc96cc" xsi:nil="true"/>
-    <LocRecommendedHandoff xmlns="4873beb7-5857-4685-be1f-d57550cc96cc" xsi:nil="true"/>
-    <BusinessGroup xmlns="4873beb7-5857-4685-be1f-d57550cc96cc" xsi:nil="true"/>
-    <BlockPublish xmlns="4873beb7-5857-4685-be1f-d57550cc96cc">false</BlockPublish>
-    <TPFriendlyName xmlns="4873beb7-5857-4685-be1f-d57550cc96cc" xsi:nil="true"/>
-    <LocOverallPublishStatusLookup xmlns="4873beb7-5857-4685-be1f-d57550cc96cc" xsi:nil="true"/>
-    <NumericId xmlns="4873beb7-5857-4685-be1f-d57550cc96cc" xsi:nil="true"/>
-    <APEditor xmlns="4873beb7-5857-4685-be1f-d57550cc96cc">
-      <UserInfo>
-        <DisplayName/>
-        <AccountId xsi:nil="true"/>
-        <AccountType/>
-      </UserInfo>
-    </APEditor>
-    <SourceTitle xmlns="4873beb7-5857-4685-be1f-d57550cc96cc" xsi:nil="true"/>
-    <OpenTemplate xmlns="4873beb7-5857-4685-be1f-d57550cc96cc">true</OpenTemplate>
-    <LocOverallLocStatusLookup xmlns="4873beb7-5857-4685-be1f-d57550cc96cc" xsi:nil="true"/>
-    <UALocComments xmlns="4873beb7-5857-4685-be1f-d57550cc96cc" xsi:nil="true"/>
-    <ParentAssetId xmlns="4873beb7-5857-4685-be1f-d57550cc96cc" xsi:nil="true"/>
-    <IntlLangReviewDate xmlns="4873beb7-5857-4685-be1f-d57550cc96cc" xsi:nil="true"/>
-    <FeatureTagsTaxHTField0 xmlns="4873beb7-5857-4685-be1f-d57550cc96cc">
-      <Terms xmlns="http://schemas.microsoft.com/office/infopath/2007/PartnerControls"/>
-    </FeatureTagsTaxHTField0>
-    <PublishStatusLookup xmlns="4873beb7-5857-4685-be1f-d57550cc96cc">
-      <Value>1345093</Value>
-    </PublishStatusLookup>
-    <Providers xmlns="4873beb7-5857-4685-be1f-d57550cc96cc" xsi:nil="true"/>
-    <MachineTranslated xmlns="4873beb7-5857-4685-be1f-d57550cc96cc">false</MachineTranslated>
-    <OriginalSourceMarket xmlns="4873beb7-5857-4685-be1f-d57550cc96cc" xsi:nil="true"/>
-    <APDescription xmlns="4873beb7-5857-4685-be1f-d57550cc96cc">This simple template design works for technology and  businesses, but it's versatile enough to use in other contexts.  It features multiple slide layouts designed for widescreen (16x9 resolution) and includes a sample SmartArt list and chart that are easily editable.</APDescription>
-    <ClipArtFilename xmlns="4873beb7-5857-4685-be1f-d57550cc96cc" xsi:nil="true"/>
-    <ContentItem xmlns="4873beb7-5857-4685-be1f-d57550cc96cc" xsi:nil="true"/>
-    <TPInstallLocation xmlns="4873beb7-5857-4685-be1f-d57550cc96cc" xsi:nil="true"/>
-    <PublishTargets xmlns="4873beb7-5857-4685-be1f-d57550cc96cc">OfficeOnlineVNext</PublishTargets>
-    <TimesCloned xmlns="4873beb7-5857-4685-be1f-d57550cc96cc" xsi:nil="true"/>
-    <AssetStart xmlns="4873beb7-5857-4685-be1f-d57550cc96cc">2011-11-26T00:30:00+00:00</AssetStart>
-    <Provider xmlns="4873beb7-5857-4685-be1f-d57550cc96cc" xsi:nil="true"/>
-    <AcquiredFrom xmlns="4873beb7-5857-4685-be1f-d57550cc96cc">Internal MS</AcquiredFrom>
-    <FriendlyTitle xmlns="4873beb7-5857-4685-be1f-d57550cc96cc" xsi:nil="true"/>
-    <LastHandOff xmlns="4873beb7-5857-4685-be1f-d57550cc96cc" xsi:nil="true"/>
-    <TPClientViewer xmlns="4873beb7-5857-4685-be1f-d57550cc96cc" xsi:nil="true"/>
-    <TemplateStatus xmlns="4873beb7-5857-4685-be1f-d57550cc96cc">Complete</TemplateStatus>
-    <Downloads xmlns="4873beb7-5857-4685-be1f-d57550cc96cc">0</Downloads>
-    <OOCacheId xmlns="4873beb7-5857-4685-be1f-d57550cc96cc" xsi:nil="true"/>
-    <IsDeleted xmlns="4873beb7-5857-4685-be1f-d57550cc96cc">false</IsDeleted>
-    <LocPublishedDependentAssetsLookup xmlns="4873beb7-5857-4685-be1f-d57550cc96cc" xsi:nil="true"/>
-    <TPExecutable xmlns="4873beb7-5857-4685-be1f-d57550cc96cc" xsi:nil="true"/>
-    <EditorialTags xmlns="4873beb7-5857-4685-be1f-d57550cc96cc" xsi:nil="true"/>
-    <SubmitterId xmlns="4873beb7-5857-4685-be1f-d57550cc96cc" xsi:nil="true"/>
-    <ApprovalLog xmlns="4873beb7-5857-4685-be1f-d57550cc96cc" xsi:nil="true"/>
-    <AssetType xmlns="4873beb7-5857-4685-be1f-d57550cc96cc">TP</AssetType>
-    <BugNumber xmlns="4873beb7-5857-4685-be1f-d57550cc96cc" xsi:nil="true"/>
-    <CSXSubmissionDate xmlns="4873beb7-5857-4685-be1f-d57550cc96cc" xsi:nil="true"/>
-    <CSXUpdate xmlns="4873beb7-5857-4685-be1f-d57550cc96cc">false</CSXUpdate>
-    <Milestone xmlns="4873beb7-5857-4685-be1f-d57550cc96cc" xsi:nil="true"/>
-    <RecommendationsModifier xmlns="4873beb7-5857-4685-be1f-d57550cc96cc" xsi:nil="true"/>
-    <OriginAsset xmlns="4873beb7-5857-4685-be1f-d57550cc96cc" xsi:nil="true"/>
-    <TPComponent xmlns="4873beb7-5857-4685-be1f-d57550cc96cc" xsi:nil="true"/>
-    <AssetId xmlns="4873beb7-5857-4685-be1f-d57550cc96cc">TP102787989</AssetId>
-    <IntlLocPriority xmlns="4873beb7-5857-4685-be1f-d57550cc96cc" xsi:nil="true"/>
-    <PolicheckWords xmlns="4873beb7-5857-4685-be1f-d57550cc96cc" xsi:nil="true"/>
-    <TPLaunchHelpLink xmlns="4873beb7-5857-4685-be1f-d57550cc96cc" xsi:nil="true"/>
-    <TPApplication xmlns="4873beb7-5857-4685-be1f-d57550cc96cc" xsi:nil="true"/>
-    <CrawlForDependencies xmlns="4873beb7-5857-4685-be1f-d57550cc96cc">false</CrawlForDependencies>
-    <HandoffToMSDN xmlns="4873beb7-5857-4685-be1f-d57550cc96cc" xsi:nil="true"/>
-    <PlannedPubDate xmlns="4873beb7-5857-4685-be1f-d57550cc96cc" xsi:nil="true"/>
-    <IntlLangReviewer xmlns="4873beb7-5857-4685-be1f-d57550cc96cc" xsi:nil="true"/>
-    <TrustLevel xmlns="4873beb7-5857-4685-be1f-d57550cc96cc">1 Microsoft Managed Content</TrustLevel>
-    <LocLastLocAttemptVersionLookup xmlns="4873beb7-5857-4685-be1f-d57550cc96cc">694266</LocLastLocAttemptVersionLookup>
-    <LocProcessedForHandoffsLookup xmlns="4873beb7-5857-4685-be1f-d57550cc96cc" xsi:nil="true"/>
-    <IsSearchable xmlns="4873beb7-5857-4685-be1f-d57550cc96cc">true</IsSearchable>
-    <TemplateTemplateType xmlns="4873beb7-5857-4685-be1f-d57550cc96cc">PowerPoint Presentation Template</TemplateTemplateType>
-    <CampaignTagsTaxHTField0 xmlns="4873beb7-5857-4685-be1f-d57550cc96cc">
-      <Terms xmlns="http://schemas.microsoft.com/office/infopath/2007/PartnerControls"/>
-    </CampaignTagsTaxHTField0>
-    <TPNamespace xmlns="4873beb7-5857-4685-be1f-d57550cc96cc" xsi:nil="true"/>
-    <LocOverallPreviewStatusLookup xmlns="4873beb7-5857-4685-be1f-d57550cc96cc" xsi:nil="true"/>
-    <TaxCatchAll xmlns="4873beb7-5857-4685-be1f-d57550cc96cc"/>
-    <Markets xmlns="4873beb7-5857-4685-be1f-d57550cc96cc"/>
-    <UAProjectedTotalWords xmlns="4873beb7-5857-4685-be1f-d57550cc96cc" xsi:nil="true"/>
-    <IntlLangReview xmlns="4873beb7-5857-4685-be1f-d57550cc96cc" xsi:nil="true"/>
-    <OutputCachingOn xmlns="4873beb7-5857-4685-be1f-d57550cc96cc">false</OutputCachingOn>
-    <AverageRating xmlns="4873beb7-5857-4685-be1f-d57550cc96cc" xsi:nil="true"/>
-    <APAuthor xmlns="4873beb7-5857-4685-be1f-d57550cc96cc">
-      <UserInfo>
-        <DisplayName>REDMOND\kristaa</DisplayName>
-        <AccountId>136</AccountId>
-        <AccountType/>
-      </UserInfo>
-    </APAuthor>
-    <LocManualTestRequired xmlns="4873beb7-5857-4685-be1f-d57550cc96cc">false</LocManualTestRequired>
-    <TPCommandLine xmlns="4873beb7-5857-4685-be1f-d57550cc96cc" xsi:nil="true"/>
-    <TPAppVersion xmlns="4873beb7-5857-4685-be1f-d57550cc96cc" xsi:nil="true"/>
-    <EditorialStatus xmlns="4873beb7-5857-4685-be1f-d57550cc96cc">Complete</EditorialStatus>
-    <LastModifiedDateTime xmlns="4873beb7-5857-4685-be1f-d57550cc96cc" xsi:nil="true"/>
-    <ScenarioTagsTaxHTField0 xmlns="4873beb7-5857-4685-be1f-d57550cc96cc">
-      <Terms xmlns="http://schemas.microsoft.com/office/infopath/2007/PartnerControls"/>
-    </ScenarioTagsTaxHTField0>
-    <LocProcessedForMarketsLookup xmlns="4873beb7-5857-4685-be1f-d57550cc96cc" xsi:nil="true"/>
-    <TPLaunchHelpLinkType xmlns="4873beb7-5857-4685-be1f-d57550cc96cc">Template</TPLaunchHelpLinkType>
-    <OriginalRelease xmlns="4873beb7-5857-4685-be1f-d57550cc96cc">15</OriginalRelease>
-    <LocalizationTagsTaxHTField0 xmlns="4873beb7-5857-4685-be1f-d57550cc96cc">
-      <Terms xmlns="http://schemas.microsoft.com/office/infopath/2007/PartnerControls"/>
-    </LocalizationTagsTaxHTField0>
-    <UACurrentWords xmlns="4873beb7-5857-4685-be1f-d57550cc96cc" xsi:nil="true"/>
-    <ArtSampleDocs xmlns="4873beb7-5857-4685-be1f-d57550cc96cc" xsi:nil="true"/>
-    <UALocRecommendation xmlns="4873beb7-5857-4685-be1f-d57550cc96cc">Localize</UALocRecommendation>
-    <Manager xmlns="4873beb7-5857-4685-be1f-d57550cc96cc" xsi:nil="true"/>
-    <LocOverallHandbackStatusLookup xmlns="4873beb7-5857-4685-be1f-d57550cc96cc" xsi:nil="true"/>
-    <ShowIn xmlns="4873beb7-5857-4685-be1f-d57550cc96cc">Show everywhere</ShowIn>
-    <UANotes xmlns="4873beb7-5857-4685-be1f-d57550cc96cc" xsi:nil="true"/>
-    <InternalTagsTaxHTField0 xmlns="4873beb7-5857-4685-be1f-d57550cc96cc">
-      <Terms xmlns="http://schemas.microsoft.com/office/infopath/2007/PartnerControls"/>
-    </InternalTagsTaxHTField0>
-    <CSXHash xmlns="4873beb7-5857-4685-be1f-d57550cc96cc" xsi:nil="true"/>
-    <VoteCount xmlns="4873beb7-5857-4685-be1f-d57550cc96cc" xsi:nil="true"/>
-    <AssetExpire xmlns="4873beb7-5857-4685-be1f-d57550cc96cc">2029-05-12T07:00:00+00:00</AssetExpire>
-    <DSATActionTaken xmlns="4873beb7-5857-4685-be1f-d57550cc96cc" xsi:nil="true"/>
-    <CSXSubmissionMarket xmlns="4873beb7-5857-4685-be1f-d57550cc96cc" xsi:nil="true"/>
-    <LocMarketGroupTiers2 xmlns="4873beb7-5857-4685-be1f-d57550cc96cc" xsi:nil="true"/>
-  </documentManagement>
-</p:properties>
-</file>
-
 <file path=customXml/itemProps1.xml><?xml version="1.0" encoding="utf-8"?>
 <ds:datastoreItem xmlns:ds="http://schemas.openxmlformats.org/officeDocument/2006/customXml" ds:itemID="{3836F65B-1B07-41EE-A0E8-BC6EF3855225}">
   <ds:schemaRefs>
@@ -15759,6 +15705,22 @@
 </file>
 
 <file path=customXml/itemProps2.xml><?xml version="1.0" encoding="utf-8"?>
+<ds:datastoreItem xmlns:ds="http://schemas.openxmlformats.org/officeDocument/2006/customXml" ds:itemID="{60C67BEE-D13F-4BD2-98A5-34D8A0977F68}">
+  <ds:schemaRefs>
+    <ds:schemaRef ds:uri="4873beb7-5857-4685-be1f-d57550cc96cc"/>
+    <ds:schemaRef ds:uri="http://purl.org/dc/terms/"/>
+    <ds:schemaRef ds:uri="http://schemas.openxmlformats.org/package/2006/metadata/core-properties"/>
+    <ds:schemaRef ds:uri="http://schemas.microsoft.com/office/2006/documentManagement/types"/>
+    <ds:schemaRef ds:uri="http://schemas.microsoft.com/office/infopath/2007/PartnerControls"/>
+    <ds:schemaRef ds:uri="http://purl.org/dc/elements/1.1/"/>
+    <ds:schemaRef ds:uri="http://schemas.microsoft.com/office/2006/metadata/properties"/>
+    <ds:schemaRef ds:uri="http://www.w3.org/XML/1998/namespace"/>
+    <ds:schemaRef ds:uri="http://purl.org/dc/dcmitype/"/>
+  </ds:schemaRefs>
+</ds:datastoreItem>
+</file>
+
+<file path=customXml/itemProps3.xml><?xml version="1.0" encoding="utf-8"?>
 <ds:datastoreItem xmlns:ds="http://schemas.openxmlformats.org/officeDocument/2006/customXml" ds:itemID="{A09BF4D4-EF60-4196-BFC3-9462D607978C}">
   <ds:schemaRefs>
     <ds:schemaRef ds:uri="http://schemas.microsoft.com/office/2006/metadata/contentType"/>
@@ -15774,20 +15736,4 @@
     <ds:schemaRef ds:uri="http://schemas.microsoft.com/internal/obd"/>
   </ds:schemaRefs>
 </ds:datastoreItem>
-</file>
-
-<file path=customXml/itemProps3.xml><?xml version="1.0" encoding="utf-8"?>
-<ds:datastoreItem xmlns:ds="http://schemas.openxmlformats.org/officeDocument/2006/customXml" ds:itemID="{60C67BEE-D13F-4BD2-98A5-34D8A0977F68}">
-  <ds:schemaRefs>
-    <ds:schemaRef ds:uri="4873beb7-5857-4685-be1f-d57550cc96cc"/>
-    <ds:schemaRef ds:uri="http://purl.org/dc/terms/"/>
-    <ds:schemaRef ds:uri="http://schemas.openxmlformats.org/package/2006/metadata/core-properties"/>
-    <ds:schemaRef ds:uri="http://schemas.microsoft.com/office/2006/documentManagement/types"/>
-    <ds:schemaRef ds:uri="http://schemas.microsoft.com/office/infopath/2007/PartnerControls"/>
-    <ds:schemaRef ds:uri="http://purl.org/dc/elements/1.1/"/>
-    <ds:schemaRef ds:uri="http://schemas.microsoft.com/office/2006/metadata/properties"/>
-    <ds:schemaRef ds:uri="http://www.w3.org/XML/1998/namespace"/>
-    <ds:schemaRef ds:uri="http://purl.org/dc/dcmitype/"/>
-  </ds:schemaRefs>
-</ds:datastoreItem>
 </file>
--- a/Rice and Jump.pptx
+++ b/Rice and Jump.pptx
@@ -475,38 +475,37 @@
           <a:p>
             <a:pPr lvl="0" rtl="0"/>
             <a:r>
-              <a:rPr lang="de-DE" dirty="0" smtClean="0"/>
+              <a:rPr lang="de-DE" dirty="0"/>
               <a:t>Textmasterformat bearbeiten</a:t>
             </a:r>
           </a:p>
           <a:p>
             <a:pPr lvl="1" rtl="0"/>
             <a:r>
-              <a:rPr lang="de-DE" dirty="0" smtClean="0"/>
+              <a:rPr lang="de-DE" dirty="0"/>
               <a:t>Zweite Ebene</a:t>
             </a:r>
           </a:p>
           <a:p>
             <a:pPr lvl="2" rtl="0"/>
             <a:r>
-              <a:rPr lang="de-DE" dirty="0" smtClean="0"/>
+              <a:rPr lang="de-DE" dirty="0"/>
               <a:t>Dritte Ebene</a:t>
             </a:r>
           </a:p>
           <a:p>
             <a:pPr lvl="3" rtl="0"/>
             <a:r>
-              <a:rPr lang="de-DE" dirty="0" smtClean="0"/>
+              <a:rPr lang="de-DE" dirty="0"/>
               <a:t>Vierte Ebene</a:t>
             </a:r>
           </a:p>
           <a:p>
             <a:pPr lvl="4" rtl="0"/>
             <a:r>
-              <a:rPr lang="de-DE" dirty="0" smtClean="0"/>
+              <a:rPr lang="de-DE" dirty="0"/>
               <a:t>Fünfte Ebene</a:t>
             </a:r>
-            <a:endParaRPr lang="de-DE" dirty="0"/>
           </a:p>
         </p:txBody>
       </p:sp>
@@ -1462,7 +1461,7 @@
           <a:p>
             <a:pPr rtl="0"/>
             <a:r>
-              <a:rPr lang="de-DE" smtClean="0"/>
+              <a:rPr lang="de-DE"/>
               <a:t>Titelmasterformat durch Klicken bearbeiten</a:t>
             </a:r>
             <a:endParaRPr lang="de-DE" dirty="0"/>
@@ -1585,7 +1584,7 @@
           <a:p>
             <a:pPr rtl="0"/>
             <a:r>
-              <a:rPr lang="de-DE" smtClean="0"/>
+              <a:rPr lang="de-DE"/>
               <a:t>Formatvorlage des Untertitelmasters durch Klicken bearbeiten</a:t>
             </a:r>
             <a:endParaRPr lang="de-DE" dirty="0"/>
@@ -1723,7 +1722,7 @@
           <a:p>
             <a:pPr rtl="0"/>
             <a:r>
-              <a:rPr lang="de-DE" smtClean="0"/>
+              <a:rPr lang="de-DE"/>
               <a:t>Titelmasterformat durch Klicken bearbeiten</a:t>
             </a:r>
             <a:endParaRPr lang="de-DE" dirty="0"/>
@@ -1763,35 +1762,35 @@
           <a:p>
             <a:pPr lvl="0" rtl="0"/>
             <a:r>
-              <a:rPr lang="de-DE" smtClean="0"/>
+              <a:rPr lang="de-DE"/>
               <a:t>Formatvorlagen des Textmasters bearbeiten</a:t>
             </a:r>
           </a:p>
           <a:p>
             <a:pPr lvl="1" rtl="0"/>
             <a:r>
-              <a:rPr lang="de-DE" smtClean="0"/>
+              <a:rPr lang="de-DE"/>
               <a:t>Zweite Ebene</a:t>
             </a:r>
           </a:p>
           <a:p>
             <a:pPr lvl="2" rtl="0"/>
             <a:r>
-              <a:rPr lang="de-DE" smtClean="0"/>
+              <a:rPr lang="de-DE"/>
               <a:t>Dritte Ebene</a:t>
             </a:r>
           </a:p>
           <a:p>
             <a:pPr lvl="3" rtl="0"/>
             <a:r>
-              <a:rPr lang="de-DE" smtClean="0"/>
+              <a:rPr lang="de-DE"/>
               <a:t>Vierte Ebene</a:t>
             </a:r>
           </a:p>
           <a:p>
             <a:pPr lvl="4" rtl="0"/>
             <a:r>
-              <a:rPr lang="de-DE" smtClean="0"/>
+              <a:rPr lang="de-DE"/>
               <a:t>Fünfte Ebene</a:t>
             </a:r>
             <a:endParaRPr lang="de-DE" dirty="0"/>
@@ -1934,7 +1933,7 @@
           <a:p>
             <a:pPr rtl="0"/>
             <a:r>
-              <a:rPr lang="de-DE" smtClean="0"/>
+              <a:rPr lang="de-DE"/>
               <a:t>Titelmasterformat durch Klicken bearbeiten</a:t>
             </a:r>
             <a:endParaRPr lang="de-DE" dirty="0"/>
@@ -1979,35 +1978,35 @@
           <a:p>
             <a:pPr lvl="0" rtl="0"/>
             <a:r>
-              <a:rPr lang="de-DE" smtClean="0"/>
+              <a:rPr lang="de-DE"/>
               <a:t>Formatvorlagen des Textmasters bearbeiten</a:t>
             </a:r>
           </a:p>
           <a:p>
             <a:pPr lvl="1" rtl="0"/>
             <a:r>
-              <a:rPr lang="de-DE" smtClean="0"/>
+              <a:rPr lang="de-DE"/>
               <a:t>Zweite Ebene</a:t>
             </a:r>
           </a:p>
           <a:p>
             <a:pPr lvl="2" rtl="0"/>
             <a:r>
-              <a:rPr lang="de-DE" smtClean="0"/>
+              <a:rPr lang="de-DE"/>
               <a:t>Dritte Ebene</a:t>
             </a:r>
           </a:p>
           <a:p>
             <a:pPr lvl="3" rtl="0"/>
             <a:r>
-              <a:rPr lang="de-DE" smtClean="0"/>
+              <a:rPr lang="de-DE"/>
               <a:t>Vierte Ebene</a:t>
             </a:r>
           </a:p>
           <a:p>
             <a:pPr lvl="4" rtl="0"/>
             <a:r>
-              <a:rPr lang="de-DE" smtClean="0"/>
+              <a:rPr lang="de-DE"/>
               <a:t>Fünfte Ebene</a:t>
             </a:r>
             <a:endParaRPr lang="de-DE" dirty="0"/>
@@ -2145,7 +2144,7 @@
           <a:p>
             <a:pPr rtl="0"/>
             <a:r>
-              <a:rPr lang="de-DE" smtClean="0"/>
+              <a:rPr lang="de-DE"/>
               <a:t>Titelmasterformat durch Klicken bearbeiten</a:t>
             </a:r>
             <a:endParaRPr lang="de-DE" dirty="0"/>
@@ -2185,35 +2184,35 @@
           <a:p>
             <a:pPr lvl="0" rtl="0"/>
             <a:r>
-              <a:rPr lang="de-DE" smtClean="0"/>
+              <a:rPr lang="de-DE"/>
               <a:t>Formatvorlagen des Textmasters bearbeiten</a:t>
             </a:r>
           </a:p>
           <a:p>
             <a:pPr lvl="1" rtl="0"/>
             <a:r>
-              <a:rPr lang="de-DE" smtClean="0"/>
+              <a:rPr lang="de-DE"/>
               <a:t>Zweite Ebene</a:t>
             </a:r>
           </a:p>
           <a:p>
             <a:pPr lvl="2" rtl="0"/>
             <a:r>
-              <a:rPr lang="de-DE" smtClean="0"/>
+              <a:rPr lang="de-DE"/>
               <a:t>Dritte Ebene</a:t>
             </a:r>
           </a:p>
           <a:p>
             <a:pPr lvl="3" rtl="0"/>
             <a:r>
-              <a:rPr lang="de-DE" smtClean="0"/>
+              <a:rPr lang="de-DE"/>
               <a:t>Vierte Ebene</a:t>
             </a:r>
           </a:p>
           <a:p>
             <a:pPr lvl="4" rtl="0"/>
             <a:r>
-              <a:rPr lang="de-DE" smtClean="0"/>
+              <a:rPr lang="de-DE"/>
               <a:t>Fünfte Ebene</a:t>
             </a:r>
             <a:endParaRPr lang="de-DE" dirty="0"/>
@@ -2531,7 +2530,7 @@
           <a:p>
             <a:pPr rtl="0"/>
             <a:r>
-              <a:rPr lang="de-DE" smtClean="0"/>
+              <a:rPr lang="de-DE"/>
               <a:t>Titelmasterformat durch Klicken bearbeiten</a:t>
             </a:r>
             <a:endParaRPr lang="de-DE" dirty="0"/>
@@ -2654,7 +2653,7 @@
           <a:p>
             <a:pPr lvl="0" rtl="0"/>
             <a:r>
-              <a:rPr lang="de-DE" smtClean="0"/>
+              <a:rPr lang="de-DE"/>
               <a:t>Formatvorlagen des Textmasters bearbeiten</a:t>
             </a:r>
           </a:p>
@@ -2791,7 +2790,7 @@
           <a:p>
             <a:pPr rtl="0"/>
             <a:r>
-              <a:rPr lang="de-DE" smtClean="0"/>
+              <a:rPr lang="de-DE"/>
               <a:t>Titelmasterformat durch Klicken bearbeiten</a:t>
             </a:r>
             <a:endParaRPr lang="de-DE" dirty="0"/>
@@ -2850,35 +2849,35 @@
           <a:p>
             <a:pPr lvl="0" rtl="0"/>
             <a:r>
-              <a:rPr lang="de-DE" smtClean="0"/>
+              <a:rPr lang="de-DE"/>
               <a:t>Formatvorlagen des Textmasters bearbeiten</a:t>
             </a:r>
           </a:p>
           <a:p>
             <a:pPr lvl="1" rtl="0"/>
             <a:r>
-              <a:rPr lang="de-DE" smtClean="0"/>
+              <a:rPr lang="de-DE"/>
               <a:t>Zweite Ebene</a:t>
             </a:r>
           </a:p>
           <a:p>
             <a:pPr lvl="2" rtl="0"/>
             <a:r>
-              <a:rPr lang="de-DE" smtClean="0"/>
+              <a:rPr lang="de-DE"/>
               <a:t>Dritte Ebene</a:t>
             </a:r>
           </a:p>
           <a:p>
             <a:pPr lvl="3" rtl="0"/>
             <a:r>
-              <a:rPr lang="de-DE" smtClean="0"/>
+              <a:rPr lang="de-DE"/>
               <a:t>Vierte Ebene</a:t>
             </a:r>
           </a:p>
           <a:p>
             <a:pPr lvl="4" rtl="0"/>
             <a:r>
-              <a:rPr lang="de-DE" smtClean="0"/>
+              <a:rPr lang="de-DE"/>
               <a:t>Fünfte Ebene</a:t>
             </a:r>
             <a:endParaRPr lang="de-DE" dirty="0"/>
@@ -2937,35 +2936,35 @@
           <a:p>
             <a:pPr lvl="0" rtl="0"/>
             <a:r>
-              <a:rPr lang="de-DE" smtClean="0"/>
+              <a:rPr lang="de-DE"/>
               <a:t>Formatvorlagen des Textmasters bearbeiten</a:t>
             </a:r>
           </a:p>
           <a:p>
             <a:pPr lvl="1" rtl="0"/>
             <a:r>
-              <a:rPr lang="de-DE" smtClean="0"/>
+              <a:rPr lang="de-DE"/>
               <a:t>Zweite Ebene</a:t>
             </a:r>
           </a:p>
           <a:p>
             <a:pPr lvl="2" rtl="0"/>
             <a:r>
-              <a:rPr lang="de-DE" smtClean="0"/>
+              <a:rPr lang="de-DE"/>
               <a:t>Dritte Ebene</a:t>
             </a:r>
           </a:p>
           <a:p>
             <a:pPr lvl="3" rtl="0"/>
             <a:r>
-              <a:rPr lang="de-DE" smtClean="0"/>
+              <a:rPr lang="de-DE"/>
               <a:t>Vierte Ebene</a:t>
             </a:r>
           </a:p>
           <a:p>
             <a:pPr lvl="4" rtl="0"/>
             <a:r>
-              <a:rPr lang="de-DE" smtClean="0"/>
+              <a:rPr lang="de-DE"/>
               <a:t>Fünfte Ebene</a:t>
             </a:r>
             <a:endParaRPr lang="de-DE" dirty="0"/>
@@ -3107,7 +3106,7 @@
           <a:p>
             <a:pPr rtl="0"/>
             <a:r>
-              <a:rPr lang="de-DE" smtClean="0"/>
+              <a:rPr lang="de-DE"/>
               <a:t>Titelmasterformat durch Klicken bearbeiten</a:t>
             </a:r>
             <a:endParaRPr lang="de-DE" dirty="0"/>
@@ -3182,7 +3181,7 @@
           <a:p>
             <a:pPr lvl="0" rtl="0"/>
             <a:r>
-              <a:rPr lang="de-DE" smtClean="0"/>
+              <a:rPr lang="de-DE"/>
               <a:t>Formatvorlagen des Textmasters bearbeiten</a:t>
             </a:r>
           </a:p>
@@ -3240,35 +3239,35 @@
           <a:p>
             <a:pPr lvl="0" rtl="0"/>
             <a:r>
-              <a:rPr lang="de-DE" smtClean="0"/>
+              <a:rPr lang="de-DE"/>
               <a:t>Formatvorlagen des Textmasters bearbeiten</a:t>
             </a:r>
           </a:p>
           <a:p>
             <a:pPr lvl="1" rtl="0"/>
             <a:r>
-              <a:rPr lang="de-DE" smtClean="0"/>
+              <a:rPr lang="de-DE"/>
               <a:t>Zweite Ebene</a:t>
             </a:r>
           </a:p>
           <a:p>
             <a:pPr lvl="2" rtl="0"/>
             <a:r>
-              <a:rPr lang="de-DE" smtClean="0"/>
+              <a:rPr lang="de-DE"/>
               <a:t>Dritte Ebene</a:t>
             </a:r>
           </a:p>
           <a:p>
             <a:pPr lvl="3" rtl="0"/>
             <a:r>
-              <a:rPr lang="de-DE" smtClean="0"/>
+              <a:rPr lang="de-DE"/>
               <a:t>Vierte Ebene</a:t>
             </a:r>
           </a:p>
           <a:p>
             <a:pPr lvl="4" rtl="0"/>
             <a:r>
-              <a:rPr lang="de-DE" smtClean="0"/>
+              <a:rPr lang="de-DE"/>
               <a:t>Fünfte Ebene</a:t>
             </a:r>
             <a:endParaRPr lang="de-DE" dirty="0"/>
@@ -3343,7 +3342,7 @@
           <a:p>
             <a:pPr lvl="0" rtl="0"/>
             <a:r>
-              <a:rPr lang="de-DE" smtClean="0"/>
+              <a:rPr lang="de-DE"/>
               <a:t>Formatvorlagen des Textmasters bearbeiten</a:t>
             </a:r>
           </a:p>
@@ -3401,35 +3400,35 @@
           <a:p>
             <a:pPr lvl="0" rtl="0"/>
             <a:r>
-              <a:rPr lang="de-DE" smtClean="0"/>
+              <a:rPr lang="de-DE"/>
               <a:t>Formatvorlagen des Textmasters bearbeiten</a:t>
             </a:r>
           </a:p>
           <a:p>
             <a:pPr lvl="1" rtl="0"/>
             <a:r>
-              <a:rPr lang="de-DE" smtClean="0"/>
+              <a:rPr lang="de-DE"/>
               <a:t>Zweite Ebene</a:t>
             </a:r>
           </a:p>
           <a:p>
             <a:pPr lvl="2" rtl="0"/>
             <a:r>
-              <a:rPr lang="de-DE" smtClean="0"/>
+              <a:rPr lang="de-DE"/>
               <a:t>Dritte Ebene</a:t>
             </a:r>
           </a:p>
           <a:p>
             <a:pPr lvl="3" rtl="0"/>
             <a:r>
-              <a:rPr lang="de-DE" smtClean="0"/>
+              <a:rPr lang="de-DE"/>
               <a:t>Vierte Ebene</a:t>
             </a:r>
           </a:p>
           <a:p>
             <a:pPr lvl="4" rtl="0"/>
             <a:r>
-              <a:rPr lang="de-DE" smtClean="0"/>
+              <a:rPr lang="de-DE"/>
               <a:t>Fünfte Ebene</a:t>
             </a:r>
             <a:endParaRPr lang="de-DE" dirty="0"/>
@@ -3567,7 +3566,7 @@
           <a:p>
             <a:pPr rtl="0"/>
             <a:r>
-              <a:rPr lang="de-DE" smtClean="0"/>
+              <a:rPr lang="de-DE"/>
               <a:t>Titelmasterformat durch Klicken bearbeiten</a:t>
             </a:r>
             <a:endParaRPr lang="de-DE" dirty="0"/>
@@ -3834,7 +3833,7 @@
           <a:p>
             <a:pPr rtl="0"/>
             <a:r>
-              <a:rPr lang="de-DE" smtClean="0"/>
+              <a:rPr lang="de-DE"/>
               <a:t>Titelmasterformat durch Klicken bearbeiten</a:t>
             </a:r>
             <a:endParaRPr lang="de-DE" dirty="0"/>
@@ -3902,7 +3901,7 @@
           <a:p>
             <a:pPr lvl="0" rtl="0"/>
             <a:r>
-              <a:rPr lang="de-DE" smtClean="0"/>
+              <a:rPr lang="de-DE"/>
               <a:t>Formatvorlagen des Textmasters bearbeiten</a:t>
             </a:r>
           </a:p>
@@ -3960,35 +3959,35 @@
           <a:p>
             <a:pPr lvl="0" rtl="0"/>
             <a:r>
-              <a:rPr lang="de-DE" smtClean="0"/>
+              <a:rPr lang="de-DE"/>
               <a:t>Formatvorlagen des Textmasters bearbeiten</a:t>
             </a:r>
           </a:p>
           <a:p>
             <a:pPr lvl="1" rtl="0"/>
             <a:r>
-              <a:rPr lang="de-DE" smtClean="0"/>
+              <a:rPr lang="de-DE"/>
               <a:t>Zweite Ebene</a:t>
             </a:r>
           </a:p>
           <a:p>
             <a:pPr lvl="2" rtl="0"/>
             <a:r>
-              <a:rPr lang="de-DE" smtClean="0"/>
+              <a:rPr lang="de-DE"/>
               <a:t>Dritte Ebene</a:t>
             </a:r>
           </a:p>
           <a:p>
             <a:pPr lvl="3" rtl="0"/>
             <a:r>
-              <a:rPr lang="de-DE" smtClean="0"/>
+              <a:rPr lang="de-DE"/>
               <a:t>Vierte Ebene</a:t>
             </a:r>
           </a:p>
           <a:p>
             <a:pPr lvl="4" rtl="0"/>
             <a:r>
-              <a:rPr lang="de-DE" smtClean="0"/>
+              <a:rPr lang="de-DE"/>
               <a:t>Fünfte Ebene</a:t>
             </a:r>
             <a:endParaRPr lang="de-DE" dirty="0"/>
@@ -4141,7 +4140,7 @@
           <a:p>
             <a:pPr rtl="0"/>
             <a:r>
-              <a:rPr lang="de-DE" smtClean="0"/>
+              <a:rPr lang="de-DE"/>
               <a:t>Titelmasterformat durch Klicken bearbeiten</a:t>
             </a:r>
             <a:endParaRPr lang="de-DE" dirty="0"/>
@@ -4209,7 +4208,7 @@
           <a:p>
             <a:pPr lvl="0" rtl="0"/>
             <a:r>
-              <a:rPr lang="de-DE" smtClean="0"/>
+              <a:rPr lang="de-DE"/>
               <a:t>Formatvorlagen des Textmasters bearbeiten</a:t>
             </a:r>
           </a:p>
@@ -4285,7 +4284,7 @@
           <a:p>
             <a:pPr rtl="0"/>
             <a:r>
-              <a:rPr lang="de-DE" smtClean="0"/>
+              <a:rPr lang="de-DE"/>
               <a:t>Bild durch Klicken auf Symbol hinzufügen</a:t>
             </a:r>
             <a:endParaRPr lang="de-DE" dirty="0"/>
@@ -4835,10 +4834,9 @@
           <a:p>
             <a:pPr rtl="0"/>
             <a:r>
-              <a:rPr lang="de-DE" dirty="0" smtClean="0"/>
+              <a:rPr lang="de-DE" dirty="0"/>
               <a:t>Titelmasterformat durch Klicken bearbeiten</a:t>
             </a:r>
-            <a:endParaRPr lang="de-DE" dirty="0"/>
           </a:p>
         </p:txBody>
       </p:sp>
@@ -4869,38 +4867,37 @@
           <a:p>
             <a:pPr lvl="0" rtl="0"/>
             <a:r>
-              <a:rPr lang="de-DE" dirty="0" smtClean="0"/>
+              <a:rPr lang="de-DE" dirty="0"/>
               <a:t>Textmasterformate bearbeiten</a:t>
             </a:r>
           </a:p>
           <a:p>
             <a:pPr lvl="1" rtl="0"/>
             <a:r>
-              <a:rPr lang="de-DE" dirty="0" smtClean="0"/>
+              <a:rPr lang="de-DE" dirty="0"/>
               <a:t>Zweite Ebene</a:t>
             </a:r>
           </a:p>
           <a:p>
             <a:pPr lvl="2" rtl="0"/>
             <a:r>
-              <a:rPr lang="de-DE" dirty="0" smtClean="0"/>
+              <a:rPr lang="de-DE" dirty="0"/>
               <a:t>Dritte Ebene</a:t>
             </a:r>
           </a:p>
           <a:p>
             <a:pPr lvl="3" rtl="0"/>
             <a:r>
-              <a:rPr lang="de-DE" dirty="0" smtClean="0"/>
+              <a:rPr lang="de-DE" dirty="0"/>
               <a:t>Vierte Ebene</a:t>
             </a:r>
           </a:p>
           <a:p>
             <a:pPr lvl="4" rtl="0"/>
             <a:r>
-              <a:rPr lang="de-DE" dirty="0" smtClean="0"/>
+              <a:rPr lang="de-DE" dirty="0"/>
               <a:t>Fünfte Ebene</a:t>
             </a:r>
-            <a:endParaRPr lang="de-DE" dirty="0"/>
           </a:p>
         </p:txBody>
       </p:sp>
@@ -5428,18 +5425,17 @@
           <a:p>
             <a:pPr rtl="0"/>
             <a:r>
-              <a:rPr lang="de-DE" dirty="0" smtClean="0"/>
+              <a:rPr lang="de-DE" dirty="0"/>
               <a:t>Rice </a:t>
             </a:r>
             <a:r>
-              <a:rPr lang="de-DE" dirty="0" err="1" smtClean="0"/>
+              <a:rPr lang="de-DE" dirty="0" err="1"/>
               <a:t>and</a:t>
             </a:r>
             <a:r>
-              <a:rPr lang="de-DE" dirty="0" smtClean="0"/>
+              <a:rPr lang="de-DE" dirty="0"/>
               <a:t> Jump</a:t>
             </a:r>
-            <a:endParaRPr lang="de-DE" dirty="0"/>
           </a:p>
         </p:txBody>
       </p:sp>
@@ -5460,14 +5456,13 @@
           <a:p>
             <a:pPr rtl="0"/>
             <a:r>
-              <a:rPr lang="de-DE" dirty="0" err="1" smtClean="0"/>
+              <a:rPr lang="de-DE" dirty="0" err="1"/>
               <a:t>By</a:t>
             </a:r>
             <a:r>
-              <a:rPr lang="de-DE" dirty="0" smtClean="0"/>
+              <a:rPr lang="de-DE" dirty="0"/>
               <a:t> Rice Games</a:t>
             </a:r>
-            <a:endParaRPr lang="de-DE" dirty="0"/>
           </a:p>
         </p:txBody>
       </p:sp>
@@ -5523,13 +5518,6 @@
       </p:transition>
     </mc:Fallback>
   </mc:AlternateContent>
-  <p:timing>
-    <p:tnLst>
-      <p:par>
-        <p:cTn id="1" dur="indefinite" restart="never" nodeType="tmRoot"/>
-      </p:par>
-    </p:tnLst>
-  </p:timing>
 </p:sld>
 </file>
 
@@ -5737,13 +5725,6 @@
       </p:transition>
     </mc:Fallback>
   </mc:AlternateContent>
-  <p:timing>
-    <p:tnLst>
-      <p:par>
-        <p:cTn id="1" dur="indefinite" restart="never" nodeType="tmRoot"/>
-      </p:par>
-    </p:tnLst>
-  </p:timing>
 </p:sld>
 </file>
 
@@ -5780,10 +5761,9 @@
           <a:lstStyle/>
           <a:p>
             <a:r>
-              <a:rPr lang="de-DE" dirty="0" smtClean="0"/>
+              <a:rPr lang="de-DE" dirty="0"/>
               <a:t>Probleme</a:t>
             </a:r>
-            <a:endParaRPr lang="de-DE" dirty="0"/>
           </a:p>
         </p:txBody>
       </p:sp>
@@ -5805,70 +5785,65 @@
           <a:lstStyle/>
           <a:p>
             <a:r>
-              <a:rPr lang="de-DE" dirty="0" smtClean="0"/>
+              <a:rPr lang="de-DE" dirty="0"/>
               <a:t>Gravitation</a:t>
             </a:r>
           </a:p>
           <a:p>
             <a:pPr lvl="1"/>
             <a:r>
-              <a:rPr lang="de-DE" dirty="0" smtClean="0"/>
+              <a:rPr lang="de-DE" dirty="0"/>
               <a:t>Klasse </a:t>
             </a:r>
             <a:r>
-              <a:rPr lang="de-DE" dirty="0" err="1" smtClean="0"/>
+              <a:rPr lang="de-DE" dirty="0" err="1"/>
               <a:t>Timer</a:t>
             </a:r>
-            <a:endParaRPr lang="de-DE" dirty="0" smtClean="0"/>
+            <a:endParaRPr lang="de-DE" dirty="0"/>
           </a:p>
           <a:p>
             <a:r>
-              <a:rPr lang="de-DE" dirty="0" smtClean="0"/>
+              <a:rPr lang="de-DE" dirty="0"/>
               <a:t>Kollisionserkennung funktioniert nicht</a:t>
             </a:r>
           </a:p>
           <a:p>
             <a:pPr lvl="1"/>
             <a:r>
-              <a:rPr lang="de-DE" dirty="0" smtClean="0"/>
+              <a:rPr lang="de-DE" dirty="0"/>
               <a:t>Arbeiten mit Klasse </a:t>
             </a:r>
             <a:r>
-              <a:rPr lang="de-DE" dirty="0" err="1" smtClean="0"/>
+              <a:rPr lang="de-DE" dirty="0" err="1"/>
               <a:t>Rectangle</a:t>
             </a:r>
-            <a:endParaRPr lang="de-DE" dirty="0" smtClean="0"/>
+            <a:endParaRPr lang="de-DE" dirty="0"/>
           </a:p>
           <a:p>
             <a:r>
-              <a:rPr lang="de-DE" dirty="0" smtClean="0"/>
+              <a:rPr lang="de-DE" dirty="0"/>
               <a:t>Große Verzögerungen</a:t>
             </a:r>
           </a:p>
           <a:p>
             <a:pPr lvl="1"/>
             <a:r>
-              <a:rPr lang="de-DE" dirty="0" smtClean="0"/>
+              <a:rPr lang="de-DE" dirty="0"/>
               <a:t>Ersetzen der Luftblöcke durch nichts</a:t>
             </a:r>
           </a:p>
           <a:p>
             <a:r>
               <a:rPr lang="de-DE" dirty="0"/>
-              <a:t>Items </a:t>
-            </a:r>
-            <a:r>
-              <a:rPr lang="de-DE" dirty="0" smtClean="0"/>
-              <a:t>Probleme</a:t>
+              <a:t>Items Probleme</a:t>
             </a:r>
           </a:p>
           <a:p>
             <a:pPr lvl="1"/>
             <a:r>
-              <a:rPr lang="de-DE" dirty="0" smtClean="0"/>
+              <a:rPr lang="de-DE" dirty="0"/>
               <a:t>Counter</a:t>
             </a:r>
-            <a:endParaRPr lang="de-DE" dirty="0"/>
           </a:p>
         </p:txBody>
       </p:sp>
@@ -5954,13 +5929,6 @@
       </p:transition>
     </mc:Fallback>
   </mc:AlternateContent>
-  <p:timing>
-    <p:tnLst>
-      <p:par>
-        <p:cTn id="1" dur="indefinite" restart="never" nodeType="tmRoot"/>
-      </p:par>
-    </p:tnLst>
-  </p:timing>
 </p:sld>
 </file>
 
@@ -5997,10 +5965,9 @@
           <a:lstStyle/>
           <a:p>
             <a:r>
-              <a:rPr lang="de-DE" dirty="0" smtClean="0"/>
+              <a:rPr lang="de-DE" dirty="0"/>
               <a:t>Probleme</a:t>
             </a:r>
-            <a:endParaRPr lang="de-DE" dirty="0"/>
           </a:p>
         </p:txBody>
       </p:sp>
@@ -6021,90 +5988,79 @@
           <a:p>
             <a:r>
               <a:rPr lang="de-DE" dirty="0"/>
-              <a:t>Sounds </a:t>
-            </a:r>
-            <a:r>
-              <a:rPr lang="de-DE" dirty="0" smtClean="0"/>
-              <a:t>Klasse</a:t>
+              <a:t>Sounds Klasse</a:t>
             </a:r>
           </a:p>
           <a:p>
             <a:pPr lvl="1"/>
             <a:r>
-              <a:rPr lang="de-DE" dirty="0" smtClean="0"/>
+              <a:rPr lang="de-DE" dirty="0"/>
               <a:t>Nutzen von Sounds und </a:t>
             </a:r>
             <a:r>
-              <a:rPr lang="de-DE" dirty="0" err="1" smtClean="0"/>
+              <a:rPr lang="de-DE" dirty="0" err="1"/>
               <a:t>MediaPlayer</a:t>
             </a:r>
             <a:r>
-              <a:rPr lang="de-DE" dirty="0" smtClean="0"/>
+              <a:rPr lang="de-DE" dirty="0"/>
               <a:t> Klasse</a:t>
             </a:r>
-            <a:endParaRPr lang="de-DE" dirty="0"/>
           </a:p>
           <a:p>
             <a:r>
-              <a:rPr lang="de-DE" dirty="0" smtClean="0"/>
+              <a:rPr lang="de-DE" dirty="0"/>
               <a:t>Animation</a:t>
             </a:r>
           </a:p>
           <a:p>
             <a:pPr lvl="1"/>
             <a:r>
-              <a:rPr lang="de-DE" dirty="0" smtClean="0"/>
+              <a:rPr lang="de-DE" dirty="0"/>
               <a:t>Eigene Animation-Klasse erstellt</a:t>
             </a:r>
-            <a:endParaRPr lang="de-DE" dirty="0"/>
           </a:p>
           <a:p>
             <a:r>
-              <a:rPr lang="de-DE" dirty="0" smtClean="0"/>
+              <a:rPr lang="de-DE" dirty="0"/>
               <a:t>Gegner-Fehler</a:t>
             </a:r>
           </a:p>
           <a:p>
             <a:pPr lvl="1"/>
             <a:r>
-              <a:rPr lang="de-DE" dirty="0" smtClean="0"/>
+              <a:rPr lang="de-DE" dirty="0"/>
               <a:t>Eigene </a:t>
             </a:r>
             <a:r>
-              <a:rPr lang="de-DE" dirty="0" err="1" smtClean="0"/>
+              <a:rPr lang="de-DE" dirty="0" err="1"/>
               <a:t>Timer</a:t>
             </a:r>
             <a:r>
-              <a:rPr lang="de-DE" dirty="0" smtClean="0"/>
+              <a:rPr lang="de-DE" dirty="0"/>
               <a:t> Klasse</a:t>
             </a:r>
           </a:p>
           <a:p>
             <a:pPr lvl="1"/>
             <a:r>
-              <a:rPr lang="de-DE" dirty="0" smtClean="0"/>
+              <a:rPr lang="de-DE" dirty="0"/>
               <a:t>Begrenzung der maximalen Anzahl</a:t>
             </a:r>
-            <a:endParaRPr lang="de-DE" dirty="0"/>
           </a:p>
           <a:p>
             <a:r>
               <a:rPr lang="de-DE" dirty="0"/>
-              <a:t>Forms </a:t>
-            </a:r>
-            <a:r>
-              <a:rPr lang="de-DE" dirty="0" smtClean="0"/>
-              <a:t>Fehler</a:t>
+              <a:t>Forms Fehler</a:t>
             </a:r>
           </a:p>
           <a:p>
             <a:pPr lvl="1"/>
             <a:r>
-              <a:rPr lang="de-DE" dirty="0" smtClean="0"/>
+              <a:rPr lang="de-DE" dirty="0"/>
               <a:t>Klasse </a:t>
             </a:r>
             <a:r>
-              <a:rPr lang="de-DE" dirty="0" err="1" smtClean="0"/>
+              <a:rPr lang="de-DE" dirty="0" err="1"/>
               <a:t>Application</a:t>
             </a:r>
             <a:endParaRPr lang="de-DE" dirty="0"/>
@@ -6196,13 +6152,6 @@
       </p:transition>
     </mc:Fallback>
   </mc:AlternateContent>
-  <p:timing>
-    <p:tnLst>
-      <p:par>
-        <p:cTn id="1" dur="indefinite" restart="never" nodeType="tmRoot"/>
-      </p:par>
-    </p:tnLst>
-  </p:timing>
 </p:sld>
 </file>
 
@@ -6239,14 +6188,13 @@
           <a:lstStyle/>
           <a:p>
             <a:r>
-              <a:rPr lang="de-DE" dirty="0" err="1" smtClean="0"/>
+              <a:rPr lang="de-DE" dirty="0" err="1"/>
               <a:t>Piskel</a:t>
             </a:r>
             <a:r>
-              <a:rPr lang="de-DE" dirty="0" smtClean="0"/>
+              <a:rPr lang="de-DE" dirty="0"/>
               <a:t>, Code und Programm Vorstellung</a:t>
             </a:r>
-            <a:endParaRPr lang="de-DE" dirty="0"/>
           </a:p>
         </p:txBody>
       </p:sp>
@@ -6422,7 +6370,7 @@
           <a:lstStyle/>
           <a:p>
             <a:r>
-              <a:rPr lang="de-DE" sz="2800" dirty="0" err="1" smtClean="0">
+              <a:rPr lang="de-DE" sz="2800" dirty="0" err="1">
                 <a:hlinkClick r:id="rId7"/>
               </a:rPr>
               <a:t>Piskel</a:t>
@@ -6454,13 +6402,13 @@
           <a:lstStyle/>
           <a:p>
             <a:r>
-              <a:rPr lang="de-DE" sz="2800" dirty="0" err="1" smtClean="0">
+              <a:rPr lang="de-DE" sz="2800" dirty="0" err="1">
                 <a:hlinkClick r:id="rId8"/>
               </a:rPr>
               <a:t>Github</a:t>
             </a:r>
             <a:r>
-              <a:rPr lang="de-DE" sz="2800" dirty="0" smtClean="0">
+              <a:rPr lang="de-DE" sz="2800" dirty="0">
                 <a:hlinkClick r:id="rId8"/>
               </a:rPr>
               <a:t> - Mario</a:t>
@@ -6491,13 +6439,6 @@
       </p:transition>
     </mc:Fallback>
   </mc:AlternateContent>
-  <p:timing>
-    <p:tnLst>
-      <p:par>
-        <p:cTn id="1" dur="indefinite" restart="never" nodeType="tmRoot"/>
-      </p:par>
-    </p:tnLst>
-  </p:timing>
 </p:sld>
 </file>
 
@@ -6534,10 +6475,9 @@
           <a:lstStyle/>
           <a:p>
             <a:r>
-              <a:rPr lang="de-DE" dirty="0" smtClean="0"/>
+              <a:rPr lang="de-DE" dirty="0"/>
               <a:t>Quellen</a:t>
             </a:r>
-            <a:endParaRPr lang="de-DE" dirty="0"/>
           </a:p>
         </p:txBody>
       </p:sp>
@@ -6558,16 +6498,12 @@
           <a:p>
             <a:r>
               <a:rPr lang="de-DE" dirty="0"/>
-              <a:t>https://nvie.com/posts/a-successful-git-branching-model</a:t>
+              <a:t>https://nvie.com/posts/a-successful-git-branching-model/</a:t>
             </a:r>
+          </a:p>
+          <a:p>
             <a:r>
-              <a:rPr lang="de-DE" dirty="0" smtClean="0"/>
-              <a:t>/</a:t>
-            </a:r>
-          </a:p>
-          <a:p>
-            <a:r>
-              <a:rPr lang="de-DE" dirty="0" smtClean="0"/>
+              <a:rPr lang="de-DE" dirty="0"/>
               <a:t>https://piskelapp.com</a:t>
             </a:r>
           </a:p>
@@ -6576,21 +6512,16 @@
               <a:rPr lang="de-DE" dirty="0"/>
               <a:t>https://docs.microsoft.com/de-de/?view=vs-2017</a:t>
             </a:r>
-            <a:endParaRPr lang="de-DE" dirty="0" smtClean="0"/>
           </a:p>
           <a:p>
             <a:r>
               <a:rPr lang="de-DE" dirty="0"/>
-              <a:t>https://</a:t>
+              <a:t>https://stackoverflow.com/questions/6240002/play-two-sounds-simultaneusly</a:t>
             </a:r>
+          </a:p>
+          <a:p>
             <a:r>
-              <a:rPr lang="de-DE" dirty="0" smtClean="0"/>
-              <a:t>stackoverflow.com/questions/6240002/play-two-sounds-simultaneusly</a:t>
-            </a:r>
-          </a:p>
-          <a:p>
-            <a:r>
-              <a:rPr lang="de-DE" dirty="0" smtClean="0"/>
+              <a:rPr lang="de-DE" dirty="0"/>
               <a:t>https://www.github.com</a:t>
             </a:r>
           </a:p>
@@ -7223,10 +7154,9 @@
           <a:p>
             <a:pPr rtl="0"/>
             <a:r>
-              <a:rPr lang="de-DE" dirty="0" smtClean="0"/>
+              <a:rPr lang="de-DE" dirty="0"/>
               <a:t>Inhaltsverzeichnis</a:t>
             </a:r>
-            <a:endParaRPr lang="de-DE" dirty="0"/>
           </a:p>
         </p:txBody>
       </p:sp>
@@ -7248,59 +7178,58 @@
           <a:lstStyle/>
           <a:p>
             <a:r>
-              <a:rPr lang="de-DE" dirty="0" smtClean="0"/>
+              <a:rPr lang="de-DE" dirty="0"/>
               <a:t>Ideen</a:t>
             </a:r>
           </a:p>
           <a:p>
             <a:r>
-              <a:rPr lang="de-DE" dirty="0" smtClean="0"/>
+              <a:rPr lang="de-DE" dirty="0"/>
               <a:t>Projektstrukturplan</a:t>
             </a:r>
           </a:p>
           <a:p>
             <a:pPr rtl="0"/>
             <a:r>
-              <a:rPr lang="de-DE" dirty="0" smtClean="0"/>
+              <a:rPr lang="de-DE" dirty="0"/>
               <a:t>Projektablaufplan</a:t>
             </a:r>
           </a:p>
           <a:p>
             <a:pPr rtl="0"/>
             <a:r>
-              <a:rPr lang="de-DE" dirty="0" smtClean="0"/>
+              <a:rPr lang="de-DE" dirty="0"/>
               <a:t>Projektnetzplan</a:t>
             </a:r>
           </a:p>
           <a:p>
             <a:pPr rtl="0"/>
             <a:r>
-              <a:rPr lang="de-DE" dirty="0" err="1" smtClean="0"/>
+              <a:rPr lang="de-DE" dirty="0" err="1"/>
               <a:t>Git</a:t>
             </a:r>
-            <a:endParaRPr lang="de-DE" dirty="0" smtClean="0"/>
+            <a:endParaRPr lang="de-DE" dirty="0"/>
           </a:p>
           <a:p>
             <a:pPr rtl="0"/>
             <a:r>
-              <a:rPr lang="de-DE" dirty="0" smtClean="0"/>
+              <a:rPr lang="de-DE" dirty="0"/>
               <a:t>Probleme und Lösungen</a:t>
             </a:r>
           </a:p>
           <a:p>
             <a:pPr rtl="0"/>
             <a:r>
-              <a:rPr lang="de-DE" dirty="0" smtClean="0"/>
+              <a:rPr lang="de-DE" dirty="0"/>
               <a:t>Code und Programm Vorstellung</a:t>
             </a:r>
           </a:p>
           <a:p>
             <a:pPr rtl="0"/>
             <a:r>
-              <a:rPr lang="de-DE" dirty="0" smtClean="0"/>
+              <a:rPr lang="de-DE" dirty="0"/>
               <a:t>Quellen</a:t>
             </a:r>
-            <a:endParaRPr lang="de-DE" dirty="0"/>
           </a:p>
         </p:txBody>
       </p:sp>
@@ -7356,13 +7285,6 @@
       </p:transition>
     </mc:Fallback>
   </mc:AlternateContent>
-  <p:timing>
-    <p:tnLst>
-      <p:par>
-        <p:cTn id="1" dur="indefinite" restart="never" nodeType="tmRoot"/>
-      </p:par>
-    </p:tnLst>
-  </p:timing>
 </p:sld>
 </file>
 
@@ -7399,10 +7321,9 @@
           <a:lstStyle/>
           <a:p>
             <a:r>
-              <a:rPr lang="de-DE" dirty="0" smtClean="0"/>
+              <a:rPr lang="de-DE" dirty="0"/>
               <a:t>Idee</a:t>
             </a:r>
-            <a:endParaRPr lang="de-DE" dirty="0"/>
           </a:p>
         </p:txBody>
       </p:sp>
@@ -7422,66 +7343,58 @@
           <a:lstStyle/>
           <a:p>
             <a:r>
-              <a:rPr lang="de-DE" dirty="0" smtClean="0"/>
+              <a:rPr lang="de-DE" dirty="0"/>
               <a:t>Jump </a:t>
             </a:r>
             <a:r>
-              <a:rPr lang="de-DE" dirty="0" err="1" smtClean="0"/>
+              <a:rPr lang="de-DE" dirty="0" err="1"/>
               <a:t>and</a:t>
             </a:r>
             <a:r>
-              <a:rPr lang="de-DE" dirty="0" smtClean="0"/>
+              <a:rPr lang="de-DE" dirty="0"/>
               <a:t> Run Spiel</a:t>
             </a:r>
           </a:p>
           <a:p>
             <a:pPr lvl="1"/>
             <a:r>
-              <a:rPr lang="de-DE" dirty="0" smtClean="0"/>
+              <a:rPr lang="de-DE" dirty="0"/>
               <a:t>Mit Story</a:t>
             </a:r>
           </a:p>
           <a:p>
             <a:pPr lvl="1"/>
             <a:r>
-              <a:rPr lang="de-DE" dirty="0" smtClean="0"/>
-              <a:t>Mit </a:t>
+              <a:rPr lang="de-DE" dirty="0"/>
+              <a:t>Mit Sounds</a:t>
             </a:r>
+          </a:p>
+          <a:p>
+            <a:pPr lvl="1"/>
             <a:r>
               <a:rPr lang="de-DE" dirty="0"/>
-              <a:t>S</a:t>
-            </a:r>
-            <a:r>
-              <a:rPr lang="de-DE" dirty="0" smtClean="0"/>
-              <a:t>ounds</a:t>
+              <a:t>Mit NPC</a:t>
             </a:r>
           </a:p>
           <a:p>
             <a:pPr lvl="1"/>
             <a:r>
-              <a:rPr lang="de-DE" dirty="0" smtClean="0"/>
-              <a:t>Mit NPC</a:t>
-            </a:r>
-          </a:p>
-          <a:p>
-            <a:pPr lvl="1"/>
-            <a:r>
-              <a:rPr lang="de-DE" dirty="0" smtClean="0"/>
+              <a:rPr lang="de-DE" dirty="0"/>
               <a:t>Asiatisches Thema</a:t>
             </a:r>
           </a:p>
           <a:p>
             <a:pPr lvl="1"/>
-            <a:endParaRPr lang="de-DE" dirty="0" smtClean="0"/>
+            <a:endParaRPr lang="de-DE" dirty="0"/>
           </a:p>
           <a:p>
             <a:r>
-              <a:rPr lang="de-DE" dirty="0" smtClean="0"/>
+              <a:rPr lang="de-DE" dirty="0"/>
               <a:t>C# mit eigener Engine </a:t>
             </a:r>
           </a:p>
           <a:p>
-            <a:endParaRPr lang="de-DE" dirty="0" smtClean="0"/>
+            <a:endParaRPr lang="de-DE" dirty="0"/>
           </a:p>
           <a:p>
             <a:endParaRPr lang="de-DE" dirty="0"/>
@@ -7570,13 +7483,6 @@
       </p:transition>
     </mc:Fallback>
   </mc:AlternateContent>
-  <p:timing>
-    <p:tnLst>
-      <p:par>
-        <p:cTn id="1" dur="indefinite" restart="never" nodeType="tmRoot"/>
-      </p:par>
-    </p:tnLst>
-  </p:timing>
 </p:sld>
 </file>
 
@@ -7710,7 +7616,7 @@
           <a:graphicData uri="http://schemas.openxmlformats.org/presentationml/2006/ole">
             <mc:AlternateContent xmlns:mc="http://schemas.openxmlformats.org/markup-compatibility/2006">
               <mc:Choice xmlns:v="urn:schemas-microsoft-com:vml" Requires="v">
-                <p:oleObj spid="_x0000_s1031" name="Dokument" r:id="rId5" imgW="13499646" imgH="10111323" progId="Word.Document.12">
+                <p:oleObj spid="_x0000_s1032" name="Dokument" r:id="rId5" imgW="13499646" imgH="10111323" progId="Word.Document.12">
                   <p:embed/>
                 </p:oleObj>
               </mc:Choice>
@@ -7767,13 +7673,6 @@
       </p:transition>
     </mc:Fallback>
   </mc:AlternateContent>
-  <p:timing>
-    <p:tnLst>
-      <p:par>
-        <p:cTn id="1" dur="indefinite" restart="never" nodeType="tmRoot"/>
-      </p:par>
-    </p:tnLst>
-  </p:timing>
 </p:sld>
 </file>
 
@@ -7810,10 +7709,9 @@
           <a:lstStyle/>
           <a:p>
             <a:r>
-              <a:rPr lang="de-DE" dirty="0" smtClean="0"/>
+              <a:rPr lang="de-DE" dirty="0"/>
               <a:t>Projektablaufplan</a:t>
             </a:r>
-            <a:endParaRPr lang="de-DE" dirty="0"/>
           </a:p>
         </p:txBody>
       </p:sp>
@@ -8013,13 +7911,6 @@
       </p:transition>
     </mc:Fallback>
   </mc:AlternateContent>
-  <p:timing>
-    <p:tnLst>
-      <p:par>
-        <p:cTn id="1" dur="indefinite" restart="never" nodeType="tmRoot"/>
-      </p:par>
-    </p:tnLst>
-  </p:timing>
 </p:sld>
 </file>
 
@@ -8056,92 +7947,9 @@
           <a:lstStyle/>
           <a:p>
             <a:r>
-              <a:rPr lang="de-DE" dirty="0" smtClean="0"/>
+              <a:rPr lang="de-DE" dirty="0"/>
               <a:t>Meeting Protokolle</a:t>
             </a:r>
-            <a:endParaRPr lang="de-DE" dirty="0"/>
-          </a:p>
-        </p:txBody>
-      </p:sp>
-      <p:sp>
-        <p:nvSpPr>
-          <p:cNvPr id="3" name="Inhaltsplatzhalter 2"/>
-          <p:cNvSpPr>
-            <a:spLocks noGrp="1"/>
-          </p:cNvSpPr>
-          <p:nvPr>
-            <p:ph idx="1"/>
-          </p:nvPr>
-        </p:nvSpPr>
-        <p:spPr/>
-        <p:txBody>
-          <a:bodyPr>
-            <a:normAutofit/>
-          </a:bodyPr>
-          <a:lstStyle/>
-          <a:p>
-            <a:r>
-              <a:rPr lang="de-DE" dirty="0" smtClean="0">
-                <a:hlinkClick r:id="rId2" action="ppaction://hlinkfile"/>
-              </a:rPr>
-              <a:t>Meeting Protokoll 09.12.18</a:t>
-            </a:r>
-          </a:p>
-          <a:p>
-            <a:r>
-              <a:rPr lang="de-DE" dirty="0" smtClean="0">
-                <a:hlinkClick r:id="rId2" action="ppaction://hlinkfile"/>
-              </a:rPr>
-              <a:t>Meeting Protokoll 12.11.18</a:t>
-            </a:r>
-            <a:endParaRPr lang="de-DE" dirty="0" smtClean="0">
-              <a:hlinkClick r:id="rId2" action="ppaction://hlinkfile"/>
-            </a:endParaRPr>
-          </a:p>
-          <a:p>
-            <a:r>
-              <a:rPr lang="de-DE" dirty="0" smtClean="0">
-                <a:hlinkClick r:id="rId3" action="ppaction://hlinkfile"/>
-              </a:rPr>
-              <a:t>Meeting Protokoll 13.10.18</a:t>
-            </a:r>
-            <a:endParaRPr lang="de-DE" dirty="0" smtClean="0"/>
-          </a:p>
-          <a:p>
-            <a:r>
-              <a:rPr lang="de-DE" dirty="0" smtClean="0">
-                <a:hlinkClick r:id="rId4" action="ppaction://hlinkfile"/>
-              </a:rPr>
-              <a:t>Meeting Protokoll 21.10.18</a:t>
-            </a:r>
-            <a:endParaRPr lang="de-DE" dirty="0" smtClean="0"/>
-          </a:p>
-          <a:p>
-            <a:r>
-              <a:rPr lang="de-DE" dirty="0" smtClean="0">
-                <a:hlinkClick r:id="rId5" action="ppaction://hlinkfile"/>
-              </a:rPr>
-              <a:t>Meeting Protokoll 23.09.18</a:t>
-            </a:r>
-            <a:endParaRPr lang="de-DE" dirty="0" smtClean="0"/>
-          </a:p>
-          <a:p>
-            <a:r>
-              <a:rPr lang="de-DE" dirty="0" smtClean="0">
-                <a:hlinkClick r:id="rId6" action="ppaction://hlinkfile"/>
-              </a:rPr>
-              <a:t>Meeting Protokoll 26.11.18</a:t>
-            </a:r>
-            <a:endParaRPr lang="de-DE" dirty="0" smtClean="0"/>
-          </a:p>
-          <a:p>
-            <a:r>
-              <a:rPr lang="de-DE" dirty="0" smtClean="0">
-                <a:hlinkClick r:id="rId7" action="ppaction://hlinkfile"/>
-              </a:rPr>
-              <a:t>Pflichtenheft</a:t>
-            </a:r>
-            <a:endParaRPr lang="de-DE" dirty="0"/>
           </a:p>
         </p:txBody>
       </p:sp>
@@ -8154,7 +7962,7 @@
           <p:nvPr/>
         </p:nvPicPr>
         <p:blipFill>
-          <a:blip r:embed="rId8">
+          <a:blip r:embed="rId2">
             <a:extLst>
               <a:ext uri="{28A0092B-C50C-407E-A947-70E740481C1C}">
                 <a14:useLocalDpi xmlns:a14="http://schemas.microsoft.com/office/drawing/2010/main" val="0"/>
@@ -8184,7 +7992,7 @@
           <p:nvPr/>
         </p:nvPicPr>
         <p:blipFill>
-          <a:blip r:embed="rId9">
+          <a:blip r:embed="rId3">
             <a:extLst>
               <a:ext uri="{28A0092B-C50C-407E-A947-70E740481C1C}">
                 <a14:useLocalDpi xmlns:a14="http://schemas.microsoft.com/office/drawing/2010/main" val="0"/>
@@ -8214,7 +8022,7 @@
           <p:nvPr/>
         </p:nvPicPr>
         <p:blipFill>
-          <a:blip r:embed="rId10">
+          <a:blip r:embed="rId4">
             <a:extLst>
               <a:ext uri="{28A0092B-C50C-407E-A947-70E740481C1C}">
                 <a14:useLocalDpi xmlns:a14="http://schemas.microsoft.com/office/drawing/2010/main" val="0"/>
@@ -8244,7 +8052,7 @@
           <p:nvPr/>
         </p:nvPicPr>
         <p:blipFill>
-          <a:blip r:embed="rId9">
+          <a:blip r:embed="rId3">
             <a:extLst>
               <a:ext uri="{28A0092B-C50C-407E-A947-70E740481C1C}">
                 <a14:useLocalDpi xmlns:a14="http://schemas.microsoft.com/office/drawing/2010/main" val="0"/>
@@ -8274,7 +8082,7 @@
           <p:nvPr/>
         </p:nvPicPr>
         <p:blipFill>
-          <a:blip r:embed="rId11">
+          <a:blip r:embed="rId5">
             <a:extLst>
               <a:ext uri="{28A0092B-C50C-407E-A947-70E740481C1C}">
                 <a14:useLocalDpi xmlns:a14="http://schemas.microsoft.com/office/drawing/2010/main" val="0"/>
@@ -8295,6 +8103,64 @@
           </a:prstGeom>
         </p:spPr>
       </p:pic>
+      <p:sp>
+        <p:nvSpPr>
+          <p:cNvPr id="4" name="Inhaltsplatzhalter 3">
+            <a:extLst>
+              <a:ext uri="{FF2B5EF4-FFF2-40B4-BE49-F238E27FC236}">
+                <a16:creationId xmlns:a16="http://schemas.microsoft.com/office/drawing/2014/main" id="{B841E457-3A03-4BB4-B5DB-F41DD4254098}"/>
+              </a:ext>
+            </a:extLst>
+          </p:cNvPr>
+          <p:cNvSpPr>
+            <a:spLocks noGrp="1"/>
+          </p:cNvSpPr>
+          <p:nvPr>
+            <p:ph idx="1"/>
+          </p:nvPr>
+        </p:nvSpPr>
+        <p:spPr/>
+        <p:txBody>
+          <a:bodyPr/>
+          <a:lstStyle/>
+          <a:p>
+            <a:pPr marL="0" indent="0" algn="ctr">
+              <a:buNone/>
+            </a:pPr>
+            <a:endParaRPr lang="en-GB" dirty="0">
+              <a:hlinkClick r:id="rId6" action="ppaction://hlinkfile"/>
+            </a:endParaRPr>
+          </a:p>
+          <a:p>
+            <a:pPr marL="0" indent="0" algn="ctr">
+              <a:buNone/>
+            </a:pPr>
+            <a:endParaRPr lang="en-GB" dirty="0">
+              <a:hlinkClick r:id="rId6" action="ppaction://hlinkfile"/>
+            </a:endParaRPr>
+          </a:p>
+          <a:p>
+            <a:pPr marL="0" indent="0" algn="ctr">
+              <a:buNone/>
+            </a:pPr>
+            <a:endParaRPr lang="en-GB" dirty="0">
+              <a:hlinkClick r:id="rId6" action="ppaction://hlinkfile"/>
+            </a:endParaRPr>
+          </a:p>
+          <a:p>
+            <a:pPr marL="0" indent="0" algn="ctr">
+              <a:buNone/>
+            </a:pPr>
+            <a:r>
+              <a:rPr lang="en-GB" sz="3600" dirty="0" err="1">
+                <a:hlinkClick r:id="rId6" action="ppaction://hlinkfile"/>
+              </a:rPr>
+              <a:t>Ordner</a:t>
+            </a:r>
+            <a:endParaRPr lang="en-GB" sz="3600" dirty="0"/>
+          </a:p>
+        </p:txBody>
+      </p:sp>
     </p:spTree>
     <p:extLst>
       <p:ext uri="{BB962C8B-B14F-4D97-AF65-F5344CB8AC3E}">
@@ -8317,13 +8183,6 @@
       </p:transition>
     </mc:Fallback>
   </mc:AlternateContent>
-  <p:timing>
-    <p:tnLst>
-      <p:par>
-        <p:cTn id="1" dur="indefinite" restart="never" nodeType="tmRoot"/>
-      </p:par>
-    </p:tnLst>
-  </p:timing>
 </p:sld>
 </file>
 
@@ -8360,10 +8219,9 @@
           <a:lstStyle/>
           <a:p>
             <a:r>
-              <a:rPr lang="de-DE" dirty="0" smtClean="0"/>
+              <a:rPr lang="de-DE" dirty="0"/>
               <a:t>Projektnetzplan</a:t>
             </a:r>
-            <a:endParaRPr lang="de-DE" dirty="0"/>
           </a:p>
         </p:txBody>
       </p:sp>
@@ -8431,10 +8289,9 @@
                         <a:p>
                           <a:pPr algn="ctr"/>
                           <a:r>
-                            <a:rPr lang="de-DE" dirty="0" smtClean="0"/>
+                            <a:rPr lang="de-DE" dirty="0"/>
                             <a:t>Vorgang i</a:t>
                           </a:r>
-                          <a:endParaRPr lang="de-DE" dirty="0"/>
                         </a:p>
                       </a:txBody>
                       <a:tcPr/>
@@ -8446,10 +8303,9 @@
                         <a:p>
                           <a:pPr algn="ctr"/>
                           <a:r>
-                            <a:rPr lang="de-DE" dirty="0" smtClean="0"/>
+                            <a:rPr lang="de-DE" dirty="0"/>
                             <a:t>Vorgangsbeschreibung</a:t>
                           </a:r>
-                          <a:endParaRPr lang="de-DE" dirty="0"/>
                         </a:p>
                       </a:txBody>
                       <a:tcPr/>
@@ -8506,7 +8362,7 @@
                         <a:p>
                           <a:pPr algn="ctr"/>
                           <a:r>
-                            <a:rPr lang="de-DE" dirty="0" smtClean="0"/>
+                            <a:rPr lang="de-DE" dirty="0"/>
                             <a:t>Dauer </a:t>
                           </a:r>
                           <a14:m>
@@ -8557,10 +8413,9 @@
                         <a:p>
                           <a:pPr algn="ctr"/>
                           <a:r>
-                            <a:rPr lang="de-DE" dirty="0" smtClean="0"/>
+                            <a:rPr lang="de-DE" dirty="0"/>
                             <a:t>1</a:t>
                           </a:r>
-                          <a:endParaRPr lang="de-DE" dirty="0"/>
                         </a:p>
                       </a:txBody>
                       <a:tcPr/>
@@ -8572,11 +8427,11 @@
                         <a:p>
                           <a:pPr algn="ctr"/>
                           <a:r>
-                            <a:rPr lang="de-DE" dirty="0" smtClean="0"/>
+                            <a:rPr lang="de-DE" dirty="0"/>
                             <a:t>Spieler</a:t>
                           </a:r>
                           <a:r>
-                            <a:rPr lang="de-DE" baseline="0" dirty="0" smtClean="0"/>
+                            <a:rPr lang="de-DE" baseline="0" dirty="0"/>
                             <a:t> Programmierung</a:t>
                           </a:r>
                           <a:endParaRPr lang="de-DE" dirty="0"/>
@@ -8591,10 +8446,9 @@
                         <a:p>
                           <a:pPr algn="ctr"/>
                           <a:r>
-                            <a:rPr lang="de-DE" dirty="0" smtClean="0"/>
+                            <a:rPr lang="de-DE" dirty="0"/>
                             <a:t>{ }</a:t>
                           </a:r>
-                          <a:endParaRPr lang="de-DE" dirty="0"/>
                         </a:p>
                       </a:txBody>
                       <a:tcPr/>
@@ -8606,10 +8460,9 @@
                         <a:p>
                           <a:pPr algn="ctr"/>
                           <a:r>
-                            <a:rPr lang="de-DE" dirty="0" smtClean="0"/>
+                            <a:rPr lang="de-DE" dirty="0"/>
                             <a:t>26</a:t>
                           </a:r>
-                          <a:endParaRPr lang="de-DE" dirty="0"/>
                         </a:p>
                       </a:txBody>
                       <a:tcPr/>
@@ -8628,10 +8481,9 @@
                         <a:p>
                           <a:pPr algn="ctr"/>
                           <a:r>
-                            <a:rPr lang="de-DE" dirty="0" smtClean="0"/>
+                            <a:rPr lang="de-DE" dirty="0"/>
                             <a:t>2</a:t>
                           </a:r>
-                          <a:endParaRPr lang="de-DE" dirty="0"/>
                         </a:p>
                       </a:txBody>
                       <a:tcPr/>
@@ -8643,10 +8495,9 @@
                         <a:p>
                           <a:pPr algn="ctr"/>
                           <a:r>
-                            <a:rPr lang="de-DE" dirty="0" smtClean="0"/>
+                            <a:rPr lang="de-DE" dirty="0"/>
                             <a:t>Engine Programmierung</a:t>
                           </a:r>
-                          <a:endParaRPr lang="de-DE" dirty="0"/>
                         </a:p>
                       </a:txBody>
                       <a:tcPr/>
@@ -8658,10 +8509,9 @@
                         <a:p>
                           <a:pPr algn="ctr"/>
                           <a:r>
-                            <a:rPr lang="de-DE" dirty="0" smtClean="0"/>
+                            <a:rPr lang="de-DE" dirty="0"/>
                             <a:t>{ }</a:t>
                           </a:r>
-                          <a:endParaRPr lang="de-DE" dirty="0"/>
                         </a:p>
                       </a:txBody>
                       <a:tcPr/>
@@ -8673,10 +8523,9 @@
                         <a:p>
                           <a:pPr algn="ctr"/>
                           <a:r>
-                            <a:rPr lang="de-DE" dirty="0" smtClean="0"/>
+                            <a:rPr lang="de-DE" dirty="0"/>
                             <a:t>9</a:t>
                           </a:r>
-                          <a:endParaRPr lang="de-DE" dirty="0"/>
                         </a:p>
                       </a:txBody>
                       <a:tcPr/>
@@ -8695,10 +8544,9 @@
                         <a:p>
                           <a:pPr algn="ctr"/>
                           <a:r>
-                            <a:rPr lang="de-DE" dirty="0" smtClean="0"/>
+                            <a:rPr lang="de-DE" dirty="0"/>
                             <a:t>3</a:t>
                           </a:r>
-                          <a:endParaRPr lang="de-DE" dirty="0"/>
                         </a:p>
                       </a:txBody>
                       <a:tcPr/>
@@ -8710,10 +8558,9 @@
                         <a:p>
                           <a:pPr algn="ctr"/>
                           <a:r>
-                            <a:rPr lang="de-DE" dirty="0" smtClean="0"/>
+                            <a:rPr lang="de-DE" dirty="0"/>
                             <a:t>Gegner Programmierung</a:t>
                           </a:r>
-                          <a:endParaRPr lang="de-DE" dirty="0"/>
                         </a:p>
                       </a:txBody>
                       <a:tcPr/>
@@ -8725,10 +8572,9 @@
                         <a:p>
                           <a:pPr algn="ctr"/>
                           <a:r>
-                            <a:rPr lang="de-DE" dirty="0" smtClean="0"/>
+                            <a:rPr lang="de-DE" dirty="0"/>
                             <a:t>{ 1 }</a:t>
                           </a:r>
-                          <a:endParaRPr lang="de-DE" dirty="0"/>
                         </a:p>
                       </a:txBody>
                       <a:tcPr/>
@@ -8740,10 +8586,9 @@
                         <a:p>
                           <a:pPr algn="ctr"/>
                           <a:r>
-                            <a:rPr lang="de-DE" dirty="0" smtClean="0"/>
+                            <a:rPr lang="de-DE" dirty="0"/>
                             <a:t>2,5</a:t>
                           </a:r>
-                          <a:endParaRPr lang="de-DE" dirty="0"/>
                         </a:p>
                       </a:txBody>
                       <a:tcPr/>
@@ -8762,10 +8607,9 @@
                         <a:p>
                           <a:pPr algn="ctr"/>
                           <a:r>
-                            <a:rPr lang="de-DE" dirty="0" smtClean="0"/>
+                            <a:rPr lang="de-DE" dirty="0"/>
                             <a:t>4</a:t>
                           </a:r>
-                          <a:endParaRPr lang="de-DE" dirty="0"/>
                         </a:p>
                       </a:txBody>
                       <a:tcPr/>
@@ -8777,11 +8621,11 @@
                         <a:p>
                           <a:pPr algn="ctr"/>
                           <a:r>
-                            <a:rPr lang="de-DE" dirty="0" smtClean="0"/>
+                            <a:rPr lang="de-DE" dirty="0"/>
                             <a:t>Item/-box</a:t>
                           </a:r>
                           <a:r>
-                            <a:rPr lang="de-DE" baseline="0" dirty="0" smtClean="0"/>
+                            <a:rPr lang="de-DE" baseline="0" dirty="0"/>
                             <a:t> Programmierung</a:t>
                           </a:r>
                           <a:endParaRPr lang="de-DE" dirty="0"/>
@@ -8796,10 +8640,9 @@
                         <a:p>
                           <a:pPr algn="ctr"/>
                           <a:r>
-                            <a:rPr lang="de-DE" dirty="0" smtClean="0"/>
+                            <a:rPr lang="de-DE" dirty="0"/>
                             <a:t>{ 1,5 }</a:t>
                           </a:r>
-                          <a:endParaRPr lang="de-DE" dirty="0"/>
                         </a:p>
                       </a:txBody>
                       <a:tcPr/>
@@ -8811,10 +8654,9 @@
                         <a:p>
                           <a:pPr algn="ctr"/>
                           <a:r>
-                            <a:rPr lang="de-DE" dirty="0" smtClean="0"/>
+                            <a:rPr lang="de-DE" dirty="0"/>
                             <a:t>2</a:t>
                           </a:r>
-                          <a:endParaRPr lang="de-DE" dirty="0"/>
                         </a:p>
                       </a:txBody>
                       <a:tcPr/>
@@ -8833,10 +8675,9 @@
                         <a:p>
                           <a:pPr algn="ctr"/>
                           <a:r>
-                            <a:rPr lang="de-DE" dirty="0" smtClean="0"/>
+                            <a:rPr lang="de-DE" dirty="0"/>
                             <a:t>5</a:t>
                           </a:r>
-                          <a:endParaRPr lang="de-DE" dirty="0"/>
                         </a:p>
                       </a:txBody>
                       <a:tcPr/>
@@ -8848,10 +8689,9 @@
                         <a:p>
                           <a:pPr algn="ctr"/>
                           <a:r>
-                            <a:rPr lang="de-DE" dirty="0" smtClean="0"/>
+                            <a:rPr lang="de-DE" dirty="0"/>
                             <a:t>Windows Form Programmierung</a:t>
                           </a:r>
-                          <a:endParaRPr lang="de-DE" dirty="0"/>
                         </a:p>
                       </a:txBody>
                       <a:tcPr/>
@@ -8863,18 +8703,17 @@
                         <a:p>
                           <a:pPr algn="ctr"/>
                           <a:r>
-                            <a:rPr lang="de-DE" dirty="0" smtClean="0"/>
+                            <a:rPr lang="de-DE" dirty="0"/>
                             <a:t>{</a:t>
                           </a:r>
                           <a:r>
-                            <a:rPr lang="de-DE" baseline="0" dirty="0" smtClean="0"/>
+                            <a:rPr lang="de-DE" baseline="0" dirty="0"/>
                             <a:t> </a:t>
                           </a:r>
                           <a:r>
-                            <a:rPr lang="de-DE" dirty="0" smtClean="0"/>
+                            <a:rPr lang="de-DE" dirty="0"/>
                             <a:t>}</a:t>
                           </a:r>
-                          <a:endParaRPr lang="de-DE" dirty="0"/>
                         </a:p>
                       </a:txBody>
                       <a:tcPr/>
@@ -8886,10 +8725,9 @@
                         <a:p>
                           <a:pPr algn="ctr"/>
                           <a:r>
-                            <a:rPr lang="de-DE" dirty="0" smtClean="0"/>
+                            <a:rPr lang="de-DE" dirty="0"/>
                             <a:t>18</a:t>
                           </a:r>
-                          <a:endParaRPr lang="de-DE" dirty="0"/>
                         </a:p>
                       </a:txBody>
                       <a:tcPr/>
@@ -8908,10 +8746,9 @@
                         <a:p>
                           <a:pPr algn="ctr"/>
                           <a:r>
-                            <a:rPr lang="de-DE" dirty="0" smtClean="0"/>
+                            <a:rPr lang="de-DE" dirty="0"/>
                             <a:t>6</a:t>
                           </a:r>
-                          <a:endParaRPr lang="de-DE" dirty="0"/>
                         </a:p>
                       </a:txBody>
                       <a:tcPr/>
@@ -8923,7 +8760,7 @@
                         <a:p>
                           <a:pPr algn="ctr"/>
                           <a:r>
-                            <a:rPr lang="de-DE" baseline="0" dirty="0" smtClean="0"/>
+                            <a:rPr lang="de-DE" baseline="0" dirty="0"/>
                             <a:t>Grafik</a:t>
                           </a:r>
                           <a:endParaRPr lang="de-DE" dirty="0"/>
@@ -8938,10 +8775,9 @@
                         <a:p>
                           <a:pPr algn="ctr"/>
                           <a:r>
-                            <a:rPr lang="de-DE" dirty="0" smtClean="0"/>
+                            <a:rPr lang="de-DE" dirty="0"/>
                             <a:t>{ }</a:t>
                           </a:r>
-                          <a:endParaRPr lang="de-DE" dirty="0"/>
                         </a:p>
                       </a:txBody>
                       <a:tcPr/>
@@ -8953,10 +8789,9 @@
                         <a:p>
                           <a:pPr algn="ctr"/>
                           <a:r>
-                            <a:rPr lang="de-DE" dirty="0" smtClean="0"/>
+                            <a:rPr lang="de-DE" dirty="0"/>
                             <a:t>10</a:t>
                           </a:r>
-                          <a:endParaRPr lang="de-DE" dirty="0"/>
                         </a:p>
                       </a:txBody>
                       <a:tcPr/>
@@ -8975,10 +8810,9 @@
                         <a:p>
                           <a:pPr algn="ctr"/>
                           <a:r>
-                            <a:rPr lang="de-DE" dirty="0" smtClean="0"/>
+                            <a:rPr lang="de-DE" dirty="0"/>
                             <a:t>7</a:t>
                           </a:r>
-                          <a:endParaRPr lang="de-DE" dirty="0"/>
                         </a:p>
                       </a:txBody>
                       <a:tcPr/>
@@ -8990,10 +8824,9 @@
                         <a:p>
                           <a:pPr algn="ctr"/>
                           <a:r>
-                            <a:rPr lang="de-DE" dirty="0" smtClean="0"/>
+                            <a:rPr lang="de-DE" dirty="0"/>
                             <a:t>Sounds</a:t>
                           </a:r>
-                          <a:endParaRPr lang="de-DE" dirty="0"/>
                         </a:p>
                       </a:txBody>
                       <a:tcPr/>
@@ -9005,18 +8838,17 @@
                         <a:p>
                           <a:pPr algn="ctr"/>
                           <a:r>
-                            <a:rPr lang="de-DE" dirty="0" smtClean="0"/>
+                            <a:rPr lang="de-DE" dirty="0"/>
                             <a:t>{ 4</a:t>
                           </a:r>
                           <a:r>
-                            <a:rPr lang="de-DE" baseline="0" dirty="0" smtClean="0"/>
+                            <a:rPr lang="de-DE" baseline="0" dirty="0"/>
                             <a:t> </a:t>
                           </a:r>
                           <a:r>
-                            <a:rPr lang="de-DE" dirty="0" smtClean="0"/>
+                            <a:rPr lang="de-DE" dirty="0"/>
                             <a:t>}</a:t>
                           </a:r>
-                          <a:endParaRPr lang="de-DE" dirty="0"/>
                         </a:p>
                       </a:txBody>
                       <a:tcPr/>
@@ -9028,10 +8860,9 @@
                         <a:p>
                           <a:pPr algn="ctr"/>
                           <a:r>
-                            <a:rPr lang="de-DE" dirty="0" smtClean="0"/>
+                            <a:rPr lang="de-DE" dirty="0"/>
                             <a:t>1</a:t>
                           </a:r>
-                          <a:endParaRPr lang="de-DE" dirty="0"/>
                         </a:p>
                       </a:txBody>
                       <a:tcPr/>
@@ -9050,10 +8881,9 @@
                         <a:p>
                           <a:pPr algn="ctr"/>
                           <a:r>
-                            <a:rPr lang="de-DE" dirty="0" smtClean="0"/>
+                            <a:rPr lang="de-DE" dirty="0"/>
                             <a:t>8</a:t>
                           </a:r>
-                          <a:endParaRPr lang="de-DE" dirty="0"/>
                         </a:p>
                       </a:txBody>
                       <a:tcPr/>
@@ -9065,10 +8895,9 @@
                         <a:p>
                           <a:pPr algn="ctr"/>
                           <a:r>
-                            <a:rPr lang="de-DE" dirty="0" smtClean="0"/>
+                            <a:rPr lang="de-DE" dirty="0"/>
                             <a:t>Tests</a:t>
                           </a:r>
-                          <a:endParaRPr lang="de-DE" dirty="0"/>
                         </a:p>
                       </a:txBody>
                       <a:tcPr/>
@@ -9080,10 +8909,9 @@
                         <a:p>
                           <a:pPr algn="ctr"/>
                           <a:r>
-                            <a:rPr lang="de-DE" dirty="0" smtClean="0"/>
+                            <a:rPr lang="de-DE" dirty="0"/>
                             <a:t>{  2,3,6,7}</a:t>
                           </a:r>
-                          <a:endParaRPr lang="de-DE" dirty="0"/>
                         </a:p>
                       </a:txBody>
                       <a:tcPr/>
@@ -9095,10 +8923,9 @@
                         <a:p>
                           <a:pPr algn="ctr"/>
                           <a:r>
-                            <a:rPr lang="de-DE" dirty="0" smtClean="0"/>
+                            <a:rPr lang="de-DE" dirty="0"/>
                             <a:t>3</a:t>
                           </a:r>
-                          <a:endParaRPr lang="de-DE" dirty="0"/>
                         </a:p>
                       </a:txBody>
                       <a:tcPr/>
@@ -9970,13 +9797,6 @@
       </p:transition>
     </mc:Fallback>
   </mc:AlternateContent>
-  <p:timing>
-    <p:tnLst>
-      <p:par>
-        <p:cTn id="1" dur="indefinite" restart="never" nodeType="tmRoot"/>
-      </p:par>
-    </p:tnLst>
-  </p:timing>
 </p:sld>
 </file>
 
@@ -10067,10 +9887,9 @@
                     <a:p>
                       <a:pPr algn="ctr"/>
                       <a:r>
-                        <a:rPr lang="de-DE" dirty="0" smtClean="0"/>
+                        <a:rPr lang="de-DE" dirty="0"/>
                         <a:t>B</a:t>
                       </a:r>
-                      <a:endParaRPr lang="de-DE" dirty="0"/>
                     </a:p>
                   </a:txBody>
                   <a:tcPr/>
@@ -10082,10 +9901,9 @@
                     <a:p>
                       <a:pPr algn="ctr"/>
                       <a:r>
-                        <a:rPr lang="de-DE" dirty="0" smtClean="0"/>
+                        <a:rPr lang="de-DE" dirty="0"/>
                         <a:t>0</a:t>
                       </a:r>
-                      <a:endParaRPr lang="de-DE" dirty="0"/>
                     </a:p>
                   </a:txBody>
                   <a:tcPr/>
@@ -10104,10 +9922,9 @@
                     <a:p>
                       <a:pPr algn="ctr"/>
                       <a:r>
-                        <a:rPr lang="de-DE" dirty="0" smtClean="0"/>
+                        <a:rPr lang="de-DE" dirty="0"/>
                         <a:t>0</a:t>
                       </a:r>
-                      <a:endParaRPr lang="de-DE" dirty="0"/>
                     </a:p>
                   </a:txBody>
                   <a:tcPr/>
@@ -10119,10 +9936,9 @@
                     <a:p>
                       <a:pPr algn="ctr"/>
                       <a:r>
-                        <a:rPr lang="de-DE" dirty="0" smtClean="0"/>
+                        <a:rPr lang="de-DE" dirty="0"/>
                         <a:t>0</a:t>
                       </a:r>
-                      <a:endParaRPr lang="de-DE" dirty="0"/>
                     </a:p>
                   </a:txBody>
                   <a:tcPr/>
@@ -10141,10 +9957,9 @@
                     <a:p>
                       <a:pPr algn="ctr"/>
                       <a:r>
-                        <a:rPr lang="de-DE" dirty="0" smtClean="0"/>
+                        <a:rPr lang="de-DE" dirty="0"/>
                         <a:t>0</a:t>
                       </a:r>
-                      <a:endParaRPr lang="de-DE" dirty="0"/>
                     </a:p>
                   </a:txBody>
                   <a:tcPr/>
@@ -10156,10 +9971,9 @@
                     <a:p>
                       <a:pPr algn="ctr"/>
                       <a:r>
-                        <a:rPr lang="de-DE" dirty="0" smtClean="0"/>
+                        <a:rPr lang="de-DE" dirty="0"/>
                         <a:t>0</a:t>
                       </a:r>
-                      <a:endParaRPr lang="de-DE" dirty="0"/>
                     </a:p>
                   </a:txBody>
                   <a:tcPr/>
@@ -10222,10 +10036,9 @@
                     <a:p>
                       <a:pPr algn="ctr"/>
                       <a:r>
-                        <a:rPr lang="de-DE" dirty="0" smtClean="0"/>
+                        <a:rPr lang="de-DE" dirty="0"/>
                         <a:t>1</a:t>
                       </a:r>
-                      <a:endParaRPr lang="de-DE" dirty="0"/>
                     </a:p>
                   </a:txBody>
                   <a:tcPr/>
@@ -10237,10 +10050,9 @@
                     <a:p>
                       <a:pPr algn="ctr"/>
                       <a:r>
-                        <a:rPr lang="de-DE" dirty="0" smtClean="0"/>
+                        <a:rPr lang="de-DE" dirty="0"/>
                         <a:t>26</a:t>
                       </a:r>
-                      <a:endParaRPr lang="de-DE" dirty="0"/>
                     </a:p>
                   </a:txBody>
                   <a:tcPr/>
@@ -10259,10 +10071,9 @@
                     <a:p>
                       <a:pPr algn="ctr"/>
                       <a:r>
-                        <a:rPr lang="de-DE" dirty="0" smtClean="0"/>
+                        <a:rPr lang="de-DE" dirty="0"/>
                         <a:t>0</a:t>
                       </a:r>
-                      <a:endParaRPr lang="de-DE" dirty="0"/>
                     </a:p>
                   </a:txBody>
                   <a:tcPr/>
@@ -10274,10 +10085,9 @@
                     <a:p>
                       <a:pPr algn="ctr"/>
                       <a:r>
-                        <a:rPr lang="de-DE" dirty="0" smtClean="0"/>
+                        <a:rPr lang="de-DE" dirty="0"/>
                         <a:t>0</a:t>
                       </a:r>
-                      <a:endParaRPr lang="de-DE" dirty="0"/>
                     </a:p>
                   </a:txBody>
                   <a:tcPr/>
@@ -10296,10 +10106,9 @@
                     <a:p>
                       <a:pPr algn="ctr"/>
                       <a:r>
-                        <a:rPr lang="de-DE" dirty="0" smtClean="0"/>
+                        <a:rPr lang="de-DE" dirty="0"/>
                         <a:t>26</a:t>
                       </a:r>
-                      <a:endParaRPr lang="de-DE" dirty="0"/>
                     </a:p>
                   </a:txBody>
                   <a:tcPr/>
@@ -10311,10 +10120,9 @@
                     <a:p>
                       <a:pPr algn="ctr"/>
                       <a:r>
-                        <a:rPr lang="de-DE" dirty="0" smtClean="0"/>
+                        <a:rPr lang="de-DE" dirty="0"/>
                         <a:t>26</a:t>
                       </a:r>
-                      <a:endParaRPr lang="de-DE" dirty="0"/>
                     </a:p>
                   </a:txBody>
                   <a:tcPr/>
@@ -10377,10 +10185,9 @@
                     <a:p>
                       <a:pPr algn="ctr"/>
                       <a:r>
-                        <a:rPr lang="de-DE" dirty="0" smtClean="0"/>
+                        <a:rPr lang="de-DE" dirty="0"/>
                         <a:t>2</a:t>
                       </a:r>
-                      <a:endParaRPr lang="de-DE" dirty="0"/>
                     </a:p>
                   </a:txBody>
                   <a:tcPr/>
@@ -10392,10 +10199,9 @@
                     <a:p>
                       <a:pPr algn="ctr"/>
                       <a:r>
-                        <a:rPr lang="de-DE" dirty="0" smtClean="0"/>
+                        <a:rPr lang="de-DE" dirty="0"/>
                         <a:t>9</a:t>
                       </a:r>
-                      <a:endParaRPr lang="de-DE" dirty="0"/>
                     </a:p>
                   </a:txBody>
                   <a:tcPr/>
@@ -10414,10 +10220,9 @@
                     <a:p>
                       <a:pPr algn="ctr"/>
                       <a:r>
-                        <a:rPr lang="de-DE" dirty="0" smtClean="0"/>
+                        <a:rPr lang="de-DE" dirty="0"/>
                         <a:t>0</a:t>
                       </a:r>
-                      <a:endParaRPr lang="de-DE" dirty="0"/>
                     </a:p>
                   </a:txBody>
                   <a:tcPr/>
@@ -10429,10 +10234,9 @@
                     <a:p>
                       <a:pPr algn="ctr"/>
                       <a:r>
-                        <a:rPr lang="de-DE" dirty="0" smtClean="0"/>
+                        <a:rPr lang="de-DE" dirty="0"/>
                         <a:t>0</a:t>
                       </a:r>
-                      <a:endParaRPr lang="de-DE" dirty="0"/>
                     </a:p>
                   </a:txBody>
                   <a:tcPr/>
@@ -10451,10 +10255,9 @@
                     <a:p>
                       <a:pPr algn="ctr"/>
                       <a:r>
-                        <a:rPr lang="de-DE" dirty="0" smtClean="0"/>
+                        <a:rPr lang="de-DE" dirty="0"/>
                         <a:t>9</a:t>
                       </a:r>
-                      <a:endParaRPr lang="de-DE" dirty="0"/>
                     </a:p>
                   </a:txBody>
                   <a:tcPr/>
@@ -10466,10 +10269,9 @@
                     <a:p>
                       <a:pPr algn="ctr"/>
                       <a:r>
-                        <a:rPr lang="de-DE" dirty="0" smtClean="0"/>
+                        <a:rPr lang="de-DE" dirty="0"/>
                         <a:t>9</a:t>
                       </a:r>
-                      <a:endParaRPr lang="de-DE" dirty="0"/>
                     </a:p>
                   </a:txBody>
                   <a:tcPr/>
@@ -10532,10 +10334,9 @@
                     <a:p>
                       <a:pPr algn="ctr"/>
                       <a:r>
-                        <a:rPr lang="de-DE" dirty="0" smtClean="0"/>
+                        <a:rPr lang="de-DE" dirty="0"/>
                         <a:t>5</a:t>
                       </a:r>
-                      <a:endParaRPr lang="de-DE" dirty="0"/>
                     </a:p>
                   </a:txBody>
                   <a:tcPr/>
@@ -10547,10 +10348,9 @@
                     <a:p>
                       <a:pPr algn="ctr"/>
                       <a:r>
-                        <a:rPr lang="de-DE" dirty="0" smtClean="0"/>
+                        <a:rPr lang="de-DE" dirty="0"/>
                         <a:t>18</a:t>
                       </a:r>
-                      <a:endParaRPr lang="de-DE" dirty="0"/>
                     </a:p>
                   </a:txBody>
                   <a:tcPr/>
@@ -10569,10 +10369,9 @@
                     <a:p>
                       <a:pPr algn="ctr"/>
                       <a:r>
-                        <a:rPr lang="de-DE" dirty="0" smtClean="0"/>
+                        <a:rPr lang="de-DE" dirty="0"/>
                         <a:t>0</a:t>
                       </a:r>
-                      <a:endParaRPr lang="de-DE" dirty="0"/>
                     </a:p>
                   </a:txBody>
                   <a:tcPr/>
@@ -10584,10 +10383,9 @@
                     <a:p>
                       <a:pPr algn="ctr"/>
                       <a:r>
-                        <a:rPr lang="de-DE" dirty="0" smtClean="0"/>
+                        <a:rPr lang="de-DE" dirty="0"/>
                         <a:t>0</a:t>
                       </a:r>
-                      <a:endParaRPr lang="de-DE" dirty="0"/>
                     </a:p>
                   </a:txBody>
                   <a:tcPr/>
@@ -10606,10 +10404,9 @@
                     <a:p>
                       <a:pPr algn="ctr"/>
                       <a:r>
-                        <a:rPr lang="de-DE" dirty="0" smtClean="0"/>
+                        <a:rPr lang="de-DE" dirty="0"/>
                         <a:t>18</a:t>
                       </a:r>
-                      <a:endParaRPr lang="de-DE" dirty="0"/>
                     </a:p>
                   </a:txBody>
                   <a:tcPr/>
@@ -10621,10 +10418,9 @@
                     <a:p>
                       <a:pPr algn="ctr"/>
                       <a:r>
-                        <a:rPr lang="de-DE" dirty="0" smtClean="0"/>
+                        <a:rPr lang="de-DE" dirty="0"/>
                         <a:t>18</a:t>
                       </a:r>
-                      <a:endParaRPr lang="de-DE" dirty="0"/>
                     </a:p>
                   </a:txBody>
                   <a:tcPr/>
@@ -10687,10 +10483,9 @@
                     <a:p>
                       <a:pPr algn="ctr"/>
                       <a:r>
-                        <a:rPr lang="de-DE" dirty="0" smtClean="0"/>
+                        <a:rPr lang="de-DE" dirty="0"/>
                         <a:t>3</a:t>
                       </a:r>
-                      <a:endParaRPr lang="de-DE" dirty="0"/>
                     </a:p>
                   </a:txBody>
                   <a:tcPr/>
@@ -10702,10 +10497,9 @@
                     <a:p>
                       <a:pPr algn="ctr"/>
                       <a:r>
-                        <a:rPr lang="de-DE" dirty="0" smtClean="0"/>
+                        <a:rPr lang="de-DE" dirty="0"/>
                         <a:t>2,5</a:t>
                       </a:r>
-                      <a:endParaRPr lang="de-DE" dirty="0"/>
                     </a:p>
                   </a:txBody>
                   <a:tcPr/>
@@ -10724,10 +10518,9 @@
                     <a:p>
                       <a:pPr algn="ctr"/>
                       <a:r>
-                        <a:rPr lang="de-DE" dirty="0" smtClean="0"/>
+                        <a:rPr lang="de-DE" dirty="0"/>
                         <a:t>26</a:t>
                       </a:r>
-                      <a:endParaRPr lang="de-DE" dirty="0"/>
                     </a:p>
                   </a:txBody>
                   <a:tcPr/>
@@ -10739,10 +10532,9 @@
                     <a:p>
                       <a:pPr algn="ctr"/>
                       <a:r>
-                        <a:rPr lang="de-DE" dirty="0" smtClean="0"/>
+                        <a:rPr lang="de-DE" dirty="0"/>
                         <a:t>26</a:t>
                       </a:r>
-                      <a:endParaRPr lang="de-DE" dirty="0"/>
                     </a:p>
                   </a:txBody>
                   <a:tcPr/>
@@ -10761,10 +10553,9 @@
                     <a:p>
                       <a:pPr algn="ctr"/>
                       <a:r>
-                        <a:rPr lang="de-DE" dirty="0" smtClean="0"/>
+                        <a:rPr lang="de-DE" dirty="0"/>
                         <a:t>28,5</a:t>
                       </a:r>
-                      <a:endParaRPr lang="de-DE" dirty="0"/>
                     </a:p>
                   </a:txBody>
                   <a:tcPr/>
@@ -10776,10 +10567,9 @@
                     <a:p>
                       <a:pPr algn="ctr"/>
                       <a:r>
-                        <a:rPr lang="de-DE" dirty="0" smtClean="0"/>
+                        <a:rPr lang="de-DE" dirty="0"/>
                         <a:t>28,5</a:t>
                       </a:r>
-                      <a:endParaRPr lang="de-DE" dirty="0"/>
                     </a:p>
                   </a:txBody>
                   <a:tcPr/>
@@ -10842,10 +10632,9 @@
                     <a:p>
                       <a:pPr algn="ctr"/>
                       <a:r>
-                        <a:rPr lang="de-DE" dirty="0" smtClean="0"/>
+                        <a:rPr lang="de-DE" dirty="0"/>
                         <a:t>4</a:t>
                       </a:r>
-                      <a:endParaRPr lang="de-DE" dirty="0"/>
                     </a:p>
                   </a:txBody>
                   <a:tcPr/>
@@ -10857,10 +10646,9 @@
                     <a:p>
                       <a:pPr algn="ctr"/>
                       <a:r>
-                        <a:rPr lang="de-DE" dirty="0" smtClean="0"/>
+                        <a:rPr lang="de-DE" dirty="0"/>
                         <a:t>2</a:t>
                       </a:r>
-                      <a:endParaRPr lang="de-DE" dirty="0"/>
                     </a:p>
                   </a:txBody>
                   <a:tcPr/>
@@ -10879,10 +10667,9 @@
                     <a:p>
                       <a:pPr algn="ctr"/>
                       <a:r>
-                        <a:rPr lang="de-DE" dirty="0" smtClean="0"/>
+                        <a:rPr lang="de-DE" dirty="0"/>
                         <a:t>26</a:t>
                       </a:r>
-                      <a:endParaRPr lang="de-DE" dirty="0"/>
                     </a:p>
                   </a:txBody>
                   <a:tcPr/>
@@ -10894,10 +10681,9 @@
                     <a:p>
                       <a:pPr algn="ctr"/>
                       <a:r>
-                        <a:rPr lang="de-DE" dirty="0" smtClean="0"/>
+                        <a:rPr lang="de-DE" dirty="0"/>
                         <a:t>26</a:t>
                       </a:r>
-                      <a:endParaRPr lang="de-DE" dirty="0"/>
                     </a:p>
                   </a:txBody>
                   <a:tcPr/>
@@ -10916,10 +10702,9 @@
                     <a:p>
                       <a:pPr algn="ctr"/>
                       <a:r>
-                        <a:rPr lang="de-DE" dirty="0" smtClean="0"/>
+                        <a:rPr lang="de-DE" dirty="0"/>
                         <a:t>28</a:t>
                       </a:r>
-                      <a:endParaRPr lang="de-DE" dirty="0"/>
                     </a:p>
                   </a:txBody>
                   <a:tcPr/>
@@ -10931,10 +10716,9 @@
                     <a:p>
                       <a:pPr algn="ctr"/>
                       <a:r>
-                        <a:rPr lang="de-DE" dirty="0" smtClean="0"/>
+                        <a:rPr lang="de-DE" dirty="0"/>
                         <a:t>28</a:t>
                       </a:r>
-                      <a:endParaRPr lang="de-DE" dirty="0"/>
                     </a:p>
                   </a:txBody>
                   <a:tcPr/>
@@ -10997,10 +10781,9 @@
                     <a:p>
                       <a:pPr algn="ctr"/>
                       <a:r>
-                        <a:rPr lang="de-DE" dirty="0" smtClean="0"/>
+                        <a:rPr lang="de-DE" dirty="0"/>
                         <a:t>7</a:t>
                       </a:r>
-                      <a:endParaRPr lang="de-DE" dirty="0"/>
                     </a:p>
                   </a:txBody>
                   <a:tcPr/>
@@ -11012,10 +10795,9 @@
                     <a:p>
                       <a:pPr algn="ctr"/>
                       <a:r>
-                        <a:rPr lang="de-DE" dirty="0" smtClean="0"/>
+                        <a:rPr lang="de-DE" dirty="0"/>
                         <a:t>1</a:t>
                       </a:r>
-                      <a:endParaRPr lang="de-DE" dirty="0"/>
                     </a:p>
                   </a:txBody>
                   <a:tcPr/>
@@ -11034,10 +10816,9 @@
                     <a:p>
                       <a:pPr algn="ctr"/>
                       <a:r>
-                        <a:rPr lang="de-DE" dirty="0" smtClean="0"/>
+                        <a:rPr lang="de-DE" dirty="0"/>
                         <a:t>28</a:t>
                       </a:r>
-                      <a:endParaRPr lang="de-DE" dirty="0"/>
                     </a:p>
                   </a:txBody>
                   <a:tcPr/>
@@ -11049,10 +10830,9 @@
                     <a:p>
                       <a:pPr algn="ctr"/>
                       <a:r>
-                        <a:rPr lang="de-DE" dirty="0" smtClean="0"/>
+                        <a:rPr lang="de-DE" dirty="0"/>
                         <a:t>28</a:t>
                       </a:r>
-                      <a:endParaRPr lang="de-DE" dirty="0"/>
                     </a:p>
                   </a:txBody>
                   <a:tcPr/>
@@ -11071,10 +10851,9 @@
                     <a:p>
                       <a:pPr algn="ctr"/>
                       <a:r>
-                        <a:rPr lang="de-DE" dirty="0" smtClean="0"/>
+                        <a:rPr lang="de-DE" dirty="0"/>
                         <a:t>29</a:t>
                       </a:r>
-                      <a:endParaRPr lang="de-DE" dirty="0"/>
                     </a:p>
                   </a:txBody>
                   <a:tcPr/>
@@ -11086,10 +10865,9 @@
                     <a:p>
                       <a:pPr algn="ctr"/>
                       <a:r>
-                        <a:rPr lang="de-DE" dirty="0" smtClean="0"/>
+                        <a:rPr lang="de-DE" dirty="0"/>
                         <a:t>29</a:t>
                       </a:r>
-                      <a:endParaRPr lang="de-DE" dirty="0"/>
                     </a:p>
                   </a:txBody>
                   <a:tcPr/>
@@ -11152,10 +10930,9 @@
                     <a:p>
                       <a:pPr algn="ctr"/>
                       <a:r>
-                        <a:rPr lang="de-DE" dirty="0" smtClean="0"/>
+                        <a:rPr lang="de-DE" dirty="0"/>
                         <a:t>E</a:t>
                       </a:r>
-                      <a:endParaRPr lang="de-DE" dirty="0"/>
                     </a:p>
                   </a:txBody>
                   <a:tcPr/>
@@ -11167,10 +10944,9 @@
                     <a:p>
                       <a:pPr algn="ctr"/>
                       <a:r>
-                        <a:rPr lang="de-DE" dirty="0" smtClean="0"/>
+                        <a:rPr lang="de-DE" dirty="0"/>
                         <a:t>0</a:t>
                       </a:r>
-                      <a:endParaRPr lang="de-DE" dirty="0"/>
                     </a:p>
                   </a:txBody>
                   <a:tcPr/>
@@ -11189,10 +10965,9 @@
                     <a:p>
                       <a:pPr algn="ctr"/>
                       <a:r>
-                        <a:rPr lang="de-DE" dirty="0" smtClean="0"/>
+                        <a:rPr lang="de-DE" dirty="0"/>
                         <a:t>12</a:t>
                       </a:r>
-                      <a:endParaRPr lang="de-DE" dirty="0"/>
                     </a:p>
                   </a:txBody>
                   <a:tcPr/>
@@ -11204,10 +10979,9 @@
                     <a:p>
                       <a:pPr algn="ctr"/>
                       <a:r>
-                        <a:rPr lang="de-DE" dirty="0" smtClean="0"/>
+                        <a:rPr lang="de-DE" dirty="0"/>
                         <a:t>32</a:t>
                       </a:r>
-                      <a:endParaRPr lang="de-DE" dirty="0"/>
                     </a:p>
                   </a:txBody>
                   <a:tcPr/>
@@ -11226,10 +11000,9 @@
                     <a:p>
                       <a:pPr algn="ctr"/>
                       <a:r>
-                        <a:rPr lang="de-DE" dirty="0" smtClean="0"/>
+                        <a:rPr lang="de-DE" dirty="0"/>
                         <a:t>12</a:t>
                       </a:r>
-                      <a:endParaRPr lang="de-DE" dirty="0"/>
                     </a:p>
                   </a:txBody>
                   <a:tcPr/>
@@ -11241,10 +11014,9 @@
                     <a:p>
                       <a:pPr algn="ctr"/>
                       <a:r>
-                        <a:rPr lang="de-DE" dirty="0" smtClean="0"/>
+                        <a:rPr lang="de-DE" dirty="0"/>
                         <a:t>32</a:t>
                       </a:r>
-                      <a:endParaRPr lang="de-DE" dirty="0"/>
                     </a:p>
                   </a:txBody>
                   <a:tcPr/>
@@ -11559,10 +11331,9 @@
                     <a:p>
                       <a:pPr algn="ctr"/>
                       <a:r>
-                        <a:rPr lang="de-DE" dirty="0" smtClean="0"/>
+                        <a:rPr lang="de-DE" dirty="0"/>
                         <a:t>6</a:t>
                       </a:r>
-                      <a:endParaRPr lang="de-DE" dirty="0"/>
                     </a:p>
                   </a:txBody>
                   <a:tcPr/>
@@ -11574,10 +11345,9 @@
                     <a:p>
                       <a:pPr algn="ctr"/>
                       <a:r>
-                        <a:rPr lang="de-DE" dirty="0" smtClean="0"/>
+                        <a:rPr lang="de-DE" dirty="0"/>
                         <a:t>10</a:t>
                       </a:r>
-                      <a:endParaRPr lang="de-DE" dirty="0"/>
                     </a:p>
                   </a:txBody>
                   <a:tcPr/>
@@ -11596,10 +11366,9 @@
                     <a:p>
                       <a:pPr algn="ctr"/>
                       <a:r>
-                        <a:rPr lang="de-DE" dirty="0" smtClean="0"/>
+                        <a:rPr lang="de-DE" dirty="0"/>
                         <a:t>0</a:t>
                       </a:r>
-                      <a:endParaRPr lang="de-DE" dirty="0"/>
                     </a:p>
                   </a:txBody>
                   <a:tcPr/>
@@ -11611,10 +11380,9 @@
                     <a:p>
                       <a:pPr algn="ctr"/>
                       <a:r>
-                        <a:rPr lang="de-DE" dirty="0" smtClean="0"/>
+                        <a:rPr lang="de-DE" dirty="0"/>
                         <a:t>0</a:t>
                       </a:r>
-                      <a:endParaRPr lang="de-DE" dirty="0"/>
                     </a:p>
                   </a:txBody>
                   <a:tcPr/>
@@ -11633,10 +11401,9 @@
                     <a:p>
                       <a:pPr algn="ctr"/>
                       <a:r>
-                        <a:rPr lang="de-DE" dirty="0" smtClean="0"/>
+                        <a:rPr lang="de-DE" dirty="0"/>
                         <a:t>10</a:t>
                       </a:r>
-                      <a:endParaRPr lang="de-DE" dirty="0"/>
                     </a:p>
                   </a:txBody>
                   <a:tcPr/>
@@ -11648,10 +11415,9 @@
                     <a:p>
                       <a:pPr algn="ctr"/>
                       <a:r>
-                        <a:rPr lang="de-DE" dirty="0" smtClean="0"/>
+                        <a:rPr lang="de-DE" dirty="0"/>
                         <a:t>10</a:t>
                       </a:r>
-                      <a:endParaRPr lang="de-DE" dirty="0"/>
                     </a:p>
                   </a:txBody>
                   <a:tcPr/>
@@ -11822,10 +11588,9 @@
                     <a:p>
                       <a:pPr algn="ctr"/>
                       <a:r>
-                        <a:rPr lang="de-DE" dirty="0" smtClean="0"/>
+                        <a:rPr lang="de-DE" dirty="0"/>
                         <a:t>8</a:t>
                       </a:r>
-                      <a:endParaRPr lang="de-DE" dirty="0"/>
                     </a:p>
                   </a:txBody>
                   <a:tcPr/>
@@ -11837,10 +11602,9 @@
                     <a:p>
                       <a:pPr algn="ctr"/>
                       <a:r>
-                        <a:rPr lang="de-DE" dirty="0" smtClean="0"/>
+                        <a:rPr lang="de-DE" dirty="0"/>
                         <a:t>3</a:t>
                       </a:r>
-                      <a:endParaRPr lang="de-DE" dirty="0"/>
                     </a:p>
                   </a:txBody>
                   <a:tcPr/>
@@ -11859,10 +11623,9 @@
                     <a:p>
                       <a:pPr algn="ctr"/>
                       <a:r>
-                        <a:rPr lang="de-DE" dirty="0" smtClean="0"/>
+                        <a:rPr lang="de-DE" dirty="0"/>
                         <a:t>9</a:t>
                       </a:r>
-                      <a:endParaRPr lang="de-DE" dirty="0"/>
                     </a:p>
                   </a:txBody>
                   <a:tcPr/>
@@ -11874,10 +11637,9 @@
                     <a:p>
                       <a:pPr algn="ctr"/>
                       <a:r>
-                        <a:rPr lang="de-DE" dirty="0" smtClean="0"/>
+                        <a:rPr lang="de-DE" dirty="0"/>
                         <a:t>29</a:t>
                       </a:r>
-                      <a:endParaRPr lang="de-DE" dirty="0"/>
                     </a:p>
                   </a:txBody>
                   <a:tcPr/>
@@ -11896,10 +11658,9 @@
                     <a:p>
                       <a:pPr algn="ctr"/>
                       <a:r>
-                        <a:rPr lang="de-DE" dirty="0" smtClean="0"/>
+                        <a:rPr lang="de-DE" dirty="0"/>
                         <a:t>12</a:t>
                       </a:r>
-                      <a:endParaRPr lang="de-DE" dirty="0"/>
                     </a:p>
                   </a:txBody>
                   <a:tcPr/>
@@ -11911,10 +11672,9 @@
                     <a:p>
                       <a:pPr algn="ctr"/>
                       <a:r>
-                        <a:rPr lang="de-DE" dirty="0" smtClean="0"/>
+                        <a:rPr lang="de-DE" dirty="0"/>
                         <a:t>32</a:t>
                       </a:r>
-                      <a:endParaRPr lang="de-DE" dirty="0"/>
                     </a:p>
                   </a:txBody>
                   <a:tcPr/>
@@ -12229,10 +11989,9 @@
                     <a:p>
                       <a:pPr algn="ctr"/>
                       <a:r>
-                        <a:rPr lang="de-DE" sz="2000" dirty="0" smtClean="0"/>
+                        <a:rPr lang="de-DE" sz="2000" dirty="0"/>
                         <a:t>Nummer</a:t>
                       </a:r>
-                      <a:endParaRPr lang="de-DE" sz="2000" dirty="0"/>
                     </a:p>
                   </a:txBody>
                   <a:tcPr/>
@@ -12244,10 +12003,9 @@
                     <a:p>
                       <a:pPr algn="ctr"/>
                       <a:r>
-                        <a:rPr lang="de-DE" sz="2000" dirty="0" smtClean="0"/>
+                        <a:rPr lang="de-DE" sz="2000" dirty="0"/>
                         <a:t>Dauer</a:t>
                       </a:r>
-                      <a:endParaRPr lang="de-DE" sz="2000" dirty="0"/>
                     </a:p>
                   </a:txBody>
                   <a:tcPr/>
@@ -12266,11 +12024,11 @@
                     <a:p>
                       <a:pPr algn="ctr"/>
                       <a:r>
-                        <a:rPr lang="de-DE" sz="2000" dirty="0" smtClean="0"/>
+                        <a:rPr lang="de-DE" sz="2000" dirty="0"/>
                         <a:t>Frühester</a:t>
                       </a:r>
                       <a:r>
-                        <a:rPr lang="de-DE" sz="2000" baseline="0" dirty="0" smtClean="0"/>
+                        <a:rPr lang="de-DE" sz="2000" baseline="0" dirty="0"/>
                         <a:t> Anfang</a:t>
                       </a:r>
                       <a:endParaRPr lang="de-DE" sz="2000" dirty="0"/>
@@ -12285,11 +12043,11 @@
                     <a:p>
                       <a:pPr algn="ctr"/>
                       <a:r>
-                        <a:rPr lang="de-DE" sz="2000" dirty="0" smtClean="0"/>
+                        <a:rPr lang="de-DE" sz="2000" dirty="0"/>
                         <a:t>Spätester</a:t>
                       </a:r>
                       <a:r>
-                        <a:rPr lang="de-DE" sz="2000" baseline="0" dirty="0" smtClean="0"/>
+                        <a:rPr lang="de-DE" sz="2000" baseline="0" dirty="0"/>
                         <a:t> Anfang</a:t>
                       </a:r>
                       <a:endParaRPr lang="de-DE" sz="2000" dirty="0"/>
@@ -12311,11 +12069,11 @@
                     <a:p>
                       <a:pPr algn="ctr"/>
                       <a:r>
-                        <a:rPr lang="de-DE" sz="2000" dirty="0" smtClean="0"/>
+                        <a:rPr lang="de-DE" sz="2000" dirty="0"/>
                         <a:t>Frühestes</a:t>
                       </a:r>
                       <a:r>
-                        <a:rPr lang="de-DE" sz="2000" baseline="0" dirty="0" smtClean="0"/>
+                        <a:rPr lang="de-DE" sz="2000" baseline="0" dirty="0"/>
                         <a:t> Ende</a:t>
                       </a:r>
                       <a:endParaRPr lang="de-DE" sz="2000" dirty="0"/>
@@ -12330,11 +12088,11 @@
                     <a:p>
                       <a:pPr algn="ctr"/>
                       <a:r>
-                        <a:rPr lang="de-DE" sz="2000" dirty="0" smtClean="0"/>
+                        <a:rPr lang="de-DE" sz="2000" dirty="0"/>
                         <a:t>Spätestes</a:t>
                       </a:r>
                       <a:r>
-                        <a:rPr lang="de-DE" sz="2000" baseline="0" dirty="0" smtClean="0"/>
+                        <a:rPr lang="de-DE" sz="2000" baseline="0" dirty="0"/>
                         <a:t> Ende</a:t>
                       </a:r>
                       <a:endParaRPr lang="de-DE" sz="2000" dirty="0"/>
@@ -13313,7 +13071,7 @@
           <a:lstStyle/>
           <a:p>
             <a:r>
-              <a:rPr lang="de-DE" dirty="0" err="1" smtClean="0"/>
+              <a:rPr lang="de-DE" dirty="0" err="1"/>
               <a:t>Git</a:t>
             </a:r>
             <a:endParaRPr lang="de-DE" dirty="0"/>
@@ -13379,93 +13137,93 @@
           <a:lstStyle/>
           <a:p>
             <a:r>
-              <a:rPr lang="de-DE" dirty="0" smtClean="0"/>
+              <a:rPr lang="de-DE" dirty="0"/>
               <a:t>Arbeiten mit verschiedenen </a:t>
             </a:r>
             <a:r>
-              <a:rPr lang="de-DE" dirty="0" err="1" smtClean="0"/>
+              <a:rPr lang="de-DE" dirty="0" err="1"/>
               <a:t>Branches</a:t>
             </a:r>
-            <a:endParaRPr lang="de-DE" dirty="0" smtClean="0"/>
+            <a:endParaRPr lang="de-DE" dirty="0"/>
           </a:p>
           <a:p>
             <a:r>
-              <a:rPr lang="de-DE" dirty="0" smtClean="0"/>
+              <a:rPr lang="de-DE" dirty="0"/>
               <a:t>Master </a:t>
             </a:r>
             <a:r>
-              <a:rPr lang="de-DE" dirty="0" err="1" smtClean="0"/>
+              <a:rPr lang="de-DE" dirty="0" err="1"/>
               <a:t>Branch</a:t>
             </a:r>
             <a:r>
-              <a:rPr lang="de-DE" dirty="0" smtClean="0"/>
+              <a:rPr lang="de-DE" dirty="0"/>
               <a:t>: vollständige Veröffentlichungen</a:t>
             </a:r>
           </a:p>
           <a:p>
             <a:r>
-              <a:rPr lang="de-DE" dirty="0" smtClean="0"/>
+              <a:rPr lang="de-DE" dirty="0"/>
               <a:t>Release </a:t>
             </a:r>
             <a:r>
-              <a:rPr lang="de-DE" dirty="0" err="1" smtClean="0"/>
+              <a:rPr lang="de-DE" dirty="0" err="1"/>
               <a:t>Branch</a:t>
             </a:r>
             <a:r>
-              <a:rPr lang="de-DE" dirty="0" smtClean="0"/>
+              <a:rPr lang="de-DE" dirty="0"/>
               <a:t>: Überprüfung und Bug Fixes vor Veröffentlichung</a:t>
             </a:r>
           </a:p>
           <a:p>
             <a:r>
-              <a:rPr lang="de-DE" dirty="0" err="1" smtClean="0"/>
+              <a:rPr lang="de-DE" dirty="0" err="1"/>
               <a:t>Develop</a:t>
             </a:r>
             <a:r>
-              <a:rPr lang="de-DE" dirty="0" smtClean="0"/>
+              <a:rPr lang="de-DE" dirty="0"/>
               <a:t> </a:t>
             </a:r>
             <a:r>
-              <a:rPr lang="de-DE" dirty="0" err="1" smtClean="0"/>
+              <a:rPr lang="de-DE" dirty="0" err="1"/>
               <a:t>Branch</a:t>
             </a:r>
             <a:r>
-              <a:rPr lang="de-DE" dirty="0" smtClean="0"/>
+              <a:rPr lang="de-DE" dirty="0"/>
               <a:t>: Entwicklung</a:t>
             </a:r>
           </a:p>
           <a:p>
             <a:r>
-              <a:rPr lang="de-DE" dirty="0" smtClean="0"/>
+              <a:rPr lang="de-DE" dirty="0"/>
               <a:t>Feature </a:t>
             </a:r>
             <a:r>
-              <a:rPr lang="de-DE" dirty="0" err="1" smtClean="0"/>
+              <a:rPr lang="de-DE" dirty="0" err="1"/>
               <a:t>Branch</a:t>
             </a:r>
             <a:r>
-              <a:rPr lang="de-DE" dirty="0" smtClean="0"/>
+              <a:rPr lang="de-DE" dirty="0"/>
               <a:t>: Hinzufügen eines neuen Feature zu </a:t>
             </a:r>
             <a:r>
-              <a:rPr lang="de-DE" dirty="0" err="1" smtClean="0"/>
+              <a:rPr lang="de-DE" dirty="0" err="1"/>
               <a:t>Develop</a:t>
             </a:r>
-            <a:endParaRPr lang="de-DE" dirty="0" smtClean="0"/>
-          </a:p>
-          <a:p>
             <a:endParaRPr lang="de-DE" dirty="0"/>
           </a:p>
           <a:p>
+            <a:endParaRPr lang="de-DE" dirty="0"/>
+          </a:p>
+          <a:p>
             <a:r>
-              <a:rPr lang="de-DE" dirty="0" smtClean="0"/>
+              <a:rPr lang="de-DE" dirty="0"/>
               <a:t>Nur ins nächsthöhere </a:t>
             </a:r>
             <a:r>
-              <a:rPr lang="de-DE" dirty="0" err="1" smtClean="0"/>
+              <a:rPr lang="de-DE" dirty="0" err="1"/>
               <a:t>mergen</a:t>
             </a:r>
-            <a:endParaRPr lang="de-DE" dirty="0" smtClean="0"/>
+            <a:endParaRPr lang="de-DE" dirty="0"/>
           </a:p>
         </p:txBody>
       </p:sp>
@@ -13551,13 +13309,6 @@
       </p:transition>
     </mc:Fallback>
   </mc:AlternateContent>
-  <p:timing>
-    <p:tnLst>
-      <p:par>
-        <p:cTn id="1" dur="indefinite" restart="never" nodeType="tmRoot"/>
-      </p:par>
-    </p:tnLst>
-  </p:timing>
 </p:sld>
 </file>
 
@@ -14521,142 +14272,6 @@
 </file>
 
 <file path=customXml/item2.xml><?xml version="1.0" encoding="utf-8"?>
-<p:properties xmlns:p="http://schemas.microsoft.com/office/2006/metadata/properties" xmlns:xsi="http://www.w3.org/2001/XMLSchema-instance" xmlns:pc="http://schemas.microsoft.com/office/infopath/2007/PartnerControls">
-  <documentManagement>
-    <LocPublishedLinkedAssetsLookup xmlns="4873beb7-5857-4685-be1f-d57550cc96cc" xsi:nil="true"/>
-    <ApprovalStatus xmlns="4873beb7-5857-4685-be1f-d57550cc96cc">InProgress</ApprovalStatus>
-    <MarketSpecific xmlns="4873beb7-5857-4685-be1f-d57550cc96cc">false</MarketSpecific>
-    <LocComments xmlns="4873beb7-5857-4685-be1f-d57550cc96cc" xsi:nil="true"/>
-    <LocLastLocAttemptVersionTypeLookup xmlns="4873beb7-5857-4685-be1f-d57550cc96cc" xsi:nil="true"/>
-    <DirectSourceMarket xmlns="4873beb7-5857-4685-be1f-d57550cc96cc" xsi:nil="true"/>
-    <ThumbnailAssetId xmlns="4873beb7-5857-4685-be1f-d57550cc96cc" xsi:nil="true"/>
-    <PrimaryImageGen xmlns="4873beb7-5857-4685-be1f-d57550cc96cc">false</PrimaryImageGen>
-    <LocNewPublishedVersionLookup xmlns="4873beb7-5857-4685-be1f-d57550cc96cc" xsi:nil="true"/>
-    <LegacyData xmlns="4873beb7-5857-4685-be1f-d57550cc96cc" xsi:nil="true"/>
-    <LocRecommendedHandoff xmlns="4873beb7-5857-4685-be1f-d57550cc96cc" xsi:nil="true"/>
-    <BusinessGroup xmlns="4873beb7-5857-4685-be1f-d57550cc96cc" xsi:nil="true"/>
-    <BlockPublish xmlns="4873beb7-5857-4685-be1f-d57550cc96cc">false</BlockPublish>
-    <TPFriendlyName xmlns="4873beb7-5857-4685-be1f-d57550cc96cc" xsi:nil="true"/>
-    <LocOverallPublishStatusLookup xmlns="4873beb7-5857-4685-be1f-d57550cc96cc" xsi:nil="true"/>
-    <NumericId xmlns="4873beb7-5857-4685-be1f-d57550cc96cc" xsi:nil="true"/>
-    <APEditor xmlns="4873beb7-5857-4685-be1f-d57550cc96cc">
-      <UserInfo>
-        <DisplayName/>
-        <AccountId xsi:nil="true"/>
-        <AccountType/>
-      </UserInfo>
-    </APEditor>
-    <SourceTitle xmlns="4873beb7-5857-4685-be1f-d57550cc96cc" xsi:nil="true"/>
-    <OpenTemplate xmlns="4873beb7-5857-4685-be1f-d57550cc96cc">true</OpenTemplate>
-    <LocOverallLocStatusLookup xmlns="4873beb7-5857-4685-be1f-d57550cc96cc" xsi:nil="true"/>
-    <UALocComments xmlns="4873beb7-5857-4685-be1f-d57550cc96cc" xsi:nil="true"/>
-    <ParentAssetId xmlns="4873beb7-5857-4685-be1f-d57550cc96cc" xsi:nil="true"/>
-    <IntlLangReviewDate xmlns="4873beb7-5857-4685-be1f-d57550cc96cc" xsi:nil="true"/>
-    <FeatureTagsTaxHTField0 xmlns="4873beb7-5857-4685-be1f-d57550cc96cc">
-      <Terms xmlns="http://schemas.microsoft.com/office/infopath/2007/PartnerControls"/>
-    </FeatureTagsTaxHTField0>
-    <PublishStatusLookup xmlns="4873beb7-5857-4685-be1f-d57550cc96cc">
-      <Value>1345093</Value>
-    </PublishStatusLookup>
-    <Providers xmlns="4873beb7-5857-4685-be1f-d57550cc96cc" xsi:nil="true"/>
-    <MachineTranslated xmlns="4873beb7-5857-4685-be1f-d57550cc96cc">false</MachineTranslated>
-    <OriginalSourceMarket xmlns="4873beb7-5857-4685-be1f-d57550cc96cc" xsi:nil="true"/>
-    <APDescription xmlns="4873beb7-5857-4685-be1f-d57550cc96cc">This simple template design works for technology and  businesses, but it's versatile enough to use in other contexts.  It features multiple slide layouts designed for widescreen (16x9 resolution) and includes a sample SmartArt list and chart that are easily editable.</APDescription>
-    <ClipArtFilename xmlns="4873beb7-5857-4685-be1f-d57550cc96cc" xsi:nil="true"/>
-    <ContentItem xmlns="4873beb7-5857-4685-be1f-d57550cc96cc" xsi:nil="true"/>
-    <TPInstallLocation xmlns="4873beb7-5857-4685-be1f-d57550cc96cc" xsi:nil="true"/>
-    <PublishTargets xmlns="4873beb7-5857-4685-be1f-d57550cc96cc">OfficeOnlineVNext</PublishTargets>
-    <TimesCloned xmlns="4873beb7-5857-4685-be1f-d57550cc96cc" xsi:nil="true"/>
-    <AssetStart xmlns="4873beb7-5857-4685-be1f-d57550cc96cc">2011-11-26T00:30:00+00:00</AssetStart>
-    <Provider xmlns="4873beb7-5857-4685-be1f-d57550cc96cc" xsi:nil="true"/>
-    <AcquiredFrom xmlns="4873beb7-5857-4685-be1f-d57550cc96cc">Internal MS</AcquiredFrom>
-    <FriendlyTitle xmlns="4873beb7-5857-4685-be1f-d57550cc96cc" xsi:nil="true"/>
-    <LastHandOff xmlns="4873beb7-5857-4685-be1f-d57550cc96cc" xsi:nil="true"/>
-    <TPClientViewer xmlns="4873beb7-5857-4685-be1f-d57550cc96cc" xsi:nil="true"/>
-    <TemplateStatus xmlns="4873beb7-5857-4685-be1f-d57550cc96cc">Complete</TemplateStatus>
-    <Downloads xmlns="4873beb7-5857-4685-be1f-d57550cc96cc">0</Downloads>
-    <OOCacheId xmlns="4873beb7-5857-4685-be1f-d57550cc96cc" xsi:nil="true"/>
-    <IsDeleted xmlns="4873beb7-5857-4685-be1f-d57550cc96cc">false</IsDeleted>
-    <LocPublishedDependentAssetsLookup xmlns="4873beb7-5857-4685-be1f-d57550cc96cc" xsi:nil="true"/>
-    <TPExecutable xmlns="4873beb7-5857-4685-be1f-d57550cc96cc" xsi:nil="true"/>
-    <EditorialTags xmlns="4873beb7-5857-4685-be1f-d57550cc96cc" xsi:nil="true"/>
-    <SubmitterId xmlns="4873beb7-5857-4685-be1f-d57550cc96cc" xsi:nil="true"/>
-    <ApprovalLog xmlns="4873beb7-5857-4685-be1f-d57550cc96cc" xsi:nil="true"/>
-    <AssetType xmlns="4873beb7-5857-4685-be1f-d57550cc96cc">TP</AssetType>
-    <BugNumber xmlns="4873beb7-5857-4685-be1f-d57550cc96cc" xsi:nil="true"/>
-    <CSXSubmissionDate xmlns="4873beb7-5857-4685-be1f-d57550cc96cc" xsi:nil="true"/>
-    <CSXUpdate xmlns="4873beb7-5857-4685-be1f-d57550cc96cc">false</CSXUpdate>
-    <Milestone xmlns="4873beb7-5857-4685-be1f-d57550cc96cc" xsi:nil="true"/>
-    <RecommendationsModifier xmlns="4873beb7-5857-4685-be1f-d57550cc96cc" xsi:nil="true"/>
-    <OriginAsset xmlns="4873beb7-5857-4685-be1f-d57550cc96cc" xsi:nil="true"/>
-    <TPComponent xmlns="4873beb7-5857-4685-be1f-d57550cc96cc" xsi:nil="true"/>
-    <AssetId xmlns="4873beb7-5857-4685-be1f-d57550cc96cc">TP102787989</AssetId>
-    <IntlLocPriority xmlns="4873beb7-5857-4685-be1f-d57550cc96cc" xsi:nil="true"/>
-    <PolicheckWords xmlns="4873beb7-5857-4685-be1f-d57550cc96cc" xsi:nil="true"/>
-    <TPLaunchHelpLink xmlns="4873beb7-5857-4685-be1f-d57550cc96cc" xsi:nil="true"/>
-    <TPApplication xmlns="4873beb7-5857-4685-be1f-d57550cc96cc" xsi:nil="true"/>
-    <CrawlForDependencies xmlns="4873beb7-5857-4685-be1f-d57550cc96cc">false</CrawlForDependencies>
-    <HandoffToMSDN xmlns="4873beb7-5857-4685-be1f-d57550cc96cc" xsi:nil="true"/>
-    <PlannedPubDate xmlns="4873beb7-5857-4685-be1f-d57550cc96cc" xsi:nil="true"/>
-    <IntlLangReviewer xmlns="4873beb7-5857-4685-be1f-d57550cc96cc" xsi:nil="true"/>
-    <TrustLevel xmlns="4873beb7-5857-4685-be1f-d57550cc96cc">1 Microsoft Managed Content</TrustLevel>
-    <LocLastLocAttemptVersionLookup xmlns="4873beb7-5857-4685-be1f-d57550cc96cc">694266</LocLastLocAttemptVersionLookup>
-    <LocProcessedForHandoffsLookup xmlns="4873beb7-5857-4685-be1f-d57550cc96cc" xsi:nil="true"/>
-    <IsSearchable xmlns="4873beb7-5857-4685-be1f-d57550cc96cc">true</IsSearchable>
-    <TemplateTemplateType xmlns="4873beb7-5857-4685-be1f-d57550cc96cc">PowerPoint Presentation Template</TemplateTemplateType>
-    <CampaignTagsTaxHTField0 xmlns="4873beb7-5857-4685-be1f-d57550cc96cc">
-      <Terms xmlns="http://schemas.microsoft.com/office/infopath/2007/PartnerControls"/>
-    </CampaignTagsTaxHTField0>
-    <TPNamespace xmlns="4873beb7-5857-4685-be1f-d57550cc96cc" xsi:nil="true"/>
-    <LocOverallPreviewStatusLookup xmlns="4873beb7-5857-4685-be1f-d57550cc96cc" xsi:nil="true"/>
-    <TaxCatchAll xmlns="4873beb7-5857-4685-be1f-d57550cc96cc"/>
-    <Markets xmlns="4873beb7-5857-4685-be1f-d57550cc96cc"/>
-    <UAProjectedTotalWords xmlns="4873beb7-5857-4685-be1f-d57550cc96cc" xsi:nil="true"/>
-    <IntlLangReview xmlns="4873beb7-5857-4685-be1f-d57550cc96cc" xsi:nil="true"/>
-    <OutputCachingOn xmlns="4873beb7-5857-4685-be1f-d57550cc96cc">false</OutputCachingOn>
-    <AverageRating xmlns="4873beb7-5857-4685-be1f-d57550cc96cc" xsi:nil="true"/>
-    <APAuthor xmlns="4873beb7-5857-4685-be1f-d57550cc96cc">
-      <UserInfo>
-        <DisplayName>REDMOND\kristaa</DisplayName>
-        <AccountId>136</AccountId>
-        <AccountType/>
-      </UserInfo>
-    </APAuthor>
-    <LocManualTestRequired xmlns="4873beb7-5857-4685-be1f-d57550cc96cc">false</LocManualTestRequired>
-    <TPCommandLine xmlns="4873beb7-5857-4685-be1f-d57550cc96cc" xsi:nil="true"/>
-    <TPAppVersion xmlns="4873beb7-5857-4685-be1f-d57550cc96cc" xsi:nil="true"/>
-    <EditorialStatus xmlns="4873beb7-5857-4685-be1f-d57550cc96cc">Complete</EditorialStatus>
-    <LastModifiedDateTime xmlns="4873beb7-5857-4685-be1f-d57550cc96cc" xsi:nil="true"/>
-    <ScenarioTagsTaxHTField0 xmlns="4873beb7-5857-4685-be1f-d57550cc96cc">
-      <Terms xmlns="http://schemas.microsoft.com/office/infopath/2007/PartnerControls"/>
-    </ScenarioTagsTaxHTField0>
-    <LocProcessedForMarketsLookup xmlns="4873beb7-5857-4685-be1f-d57550cc96cc" xsi:nil="true"/>
-    <TPLaunchHelpLinkType xmlns="4873beb7-5857-4685-be1f-d57550cc96cc">Template</TPLaunchHelpLinkType>
-    <OriginalRelease xmlns="4873beb7-5857-4685-be1f-d57550cc96cc">15</OriginalRelease>
-    <LocalizationTagsTaxHTField0 xmlns="4873beb7-5857-4685-be1f-d57550cc96cc">
-      <Terms xmlns="http://schemas.microsoft.com/office/infopath/2007/PartnerControls"/>
-    </LocalizationTagsTaxHTField0>
-    <UACurrentWords xmlns="4873beb7-5857-4685-be1f-d57550cc96cc" xsi:nil="true"/>
-    <ArtSampleDocs xmlns="4873beb7-5857-4685-be1f-d57550cc96cc" xsi:nil="true"/>
-    <UALocRecommendation xmlns="4873beb7-5857-4685-be1f-d57550cc96cc">Localize</UALocRecommendation>
-    <Manager xmlns="4873beb7-5857-4685-be1f-d57550cc96cc" xsi:nil="true"/>
-    <LocOverallHandbackStatusLookup xmlns="4873beb7-5857-4685-be1f-d57550cc96cc" xsi:nil="true"/>
-    <ShowIn xmlns="4873beb7-5857-4685-be1f-d57550cc96cc">Show everywhere</ShowIn>
-    <UANotes xmlns="4873beb7-5857-4685-be1f-d57550cc96cc" xsi:nil="true"/>
-    <InternalTagsTaxHTField0 xmlns="4873beb7-5857-4685-be1f-d57550cc96cc">
-      <Terms xmlns="http://schemas.microsoft.com/office/infopath/2007/PartnerControls"/>
-    </InternalTagsTaxHTField0>
-    <CSXHash xmlns="4873beb7-5857-4685-be1f-d57550cc96cc" xsi:nil="true"/>
-    <VoteCount xmlns="4873beb7-5857-4685-be1f-d57550cc96cc" xsi:nil="true"/>
-    <AssetExpire xmlns="4873beb7-5857-4685-be1f-d57550cc96cc">2029-05-12T07:00:00+00:00</AssetExpire>
-    <DSATActionTaken xmlns="4873beb7-5857-4685-be1f-d57550cc96cc" xsi:nil="true"/>
-    <CSXSubmissionMarket xmlns="4873beb7-5857-4685-be1f-d57550cc96cc" xsi:nil="true"/>
-    <LocMarketGroupTiers2 xmlns="4873beb7-5857-4685-be1f-d57550cc96cc" xsi:nil="true"/>
-  </documentManagement>
-</p:properties>
-</file>
-
-<file path=customXml/item3.xml><?xml version="1.0" encoding="utf-8"?>
 <ct:contentTypeSchema xmlns:ct="http://schemas.microsoft.com/office/2006/metadata/contentType" xmlns:ma="http://schemas.microsoft.com/office/2006/metadata/properties/metaAttributes" ct:_="" ma:_="" ma:contentTypeName="TemplateFile" ma:contentTypeID="0x0101006EDDDB5EE6D98C44930B742096920B300400F5B6D36B3EF94B4E9A635CDF2A18F5B8" ma:contentTypeVersion="72" ma:contentTypeDescription="Create a new document." ma:contentTypeScope="" ma:versionID="a23e56308344d904b51738559c3d67c9">
   <xsd:schema xmlns:xsd="http://www.w3.org/2001/XMLSchema" xmlns:xs="http://www.w3.org/2001/XMLSchema" xmlns:p="http://schemas.microsoft.com/office/2006/metadata/properties" xmlns:ns2="4873beb7-5857-4685-be1f-d57550cc96cc" targetNamespace="http://schemas.microsoft.com/office/2006/metadata/properties" ma:root="true" ma:fieldsID="cd0908cc4600e77bf5da051303e00c8d" ns2:_="">
     <xsd:import namespace="4873beb7-5857-4685-be1f-d57550cc96cc"/>
@@ -15696,6 +15311,142 @@
 </ct:contentTypeSchema>
 </file>
 
+<file path=customXml/item3.xml><?xml version="1.0" encoding="utf-8"?>
+<p:properties xmlns:p="http://schemas.microsoft.com/office/2006/metadata/properties" xmlns:xsi="http://www.w3.org/2001/XMLSchema-instance" xmlns:pc="http://schemas.microsoft.com/office/infopath/2007/PartnerControls">
+  <documentManagement>
+    <LocPublishedLinkedAssetsLookup xmlns="4873beb7-5857-4685-be1f-d57550cc96cc" xsi:nil="true"/>
+    <ApprovalStatus xmlns="4873beb7-5857-4685-be1f-d57550cc96cc">InProgress</ApprovalStatus>
+    <MarketSpecific xmlns="4873beb7-5857-4685-be1f-d57550cc96cc">false</MarketSpecific>
+    <LocComments xmlns="4873beb7-5857-4685-be1f-d57550cc96cc" xsi:nil="true"/>
+    <LocLastLocAttemptVersionTypeLookup xmlns="4873beb7-5857-4685-be1f-d57550cc96cc" xsi:nil="true"/>
+    <DirectSourceMarket xmlns="4873beb7-5857-4685-be1f-d57550cc96cc" xsi:nil="true"/>
+    <ThumbnailAssetId xmlns="4873beb7-5857-4685-be1f-d57550cc96cc" xsi:nil="true"/>
+    <PrimaryImageGen xmlns="4873beb7-5857-4685-be1f-d57550cc96cc">false</PrimaryImageGen>
+    <LocNewPublishedVersionLookup xmlns="4873beb7-5857-4685-be1f-d57550cc96cc" xsi:nil="true"/>
+    <LegacyData xmlns="4873beb7-5857-4685-be1f-d57550cc96cc" xsi:nil="true"/>
+    <LocRecommendedHandoff xmlns="4873beb7-5857-4685-be1f-d57550cc96cc" xsi:nil="true"/>
+    <BusinessGroup xmlns="4873beb7-5857-4685-be1f-d57550cc96cc" xsi:nil="true"/>
+    <BlockPublish xmlns="4873beb7-5857-4685-be1f-d57550cc96cc">false</BlockPublish>
+    <TPFriendlyName xmlns="4873beb7-5857-4685-be1f-d57550cc96cc" xsi:nil="true"/>
+    <LocOverallPublishStatusLookup xmlns="4873beb7-5857-4685-be1f-d57550cc96cc" xsi:nil="true"/>
+    <NumericId xmlns="4873beb7-5857-4685-be1f-d57550cc96cc" xsi:nil="true"/>
+    <APEditor xmlns="4873beb7-5857-4685-be1f-d57550cc96cc">
+      <UserInfo>
+        <DisplayName/>
+        <AccountId xsi:nil="true"/>
+        <AccountType/>
+      </UserInfo>
+    </APEditor>
+    <SourceTitle xmlns="4873beb7-5857-4685-be1f-d57550cc96cc" xsi:nil="true"/>
+    <OpenTemplate xmlns="4873beb7-5857-4685-be1f-d57550cc96cc">true</OpenTemplate>
+    <LocOverallLocStatusLookup xmlns="4873beb7-5857-4685-be1f-d57550cc96cc" xsi:nil="true"/>
+    <UALocComments xmlns="4873beb7-5857-4685-be1f-d57550cc96cc" xsi:nil="true"/>
+    <ParentAssetId xmlns="4873beb7-5857-4685-be1f-d57550cc96cc" xsi:nil="true"/>
+    <IntlLangReviewDate xmlns="4873beb7-5857-4685-be1f-d57550cc96cc" xsi:nil="true"/>
+    <FeatureTagsTaxHTField0 xmlns="4873beb7-5857-4685-be1f-d57550cc96cc">
+      <Terms xmlns="http://schemas.microsoft.com/office/infopath/2007/PartnerControls"/>
+    </FeatureTagsTaxHTField0>
+    <PublishStatusLookup xmlns="4873beb7-5857-4685-be1f-d57550cc96cc">
+      <Value>1345093</Value>
+    </PublishStatusLookup>
+    <Providers xmlns="4873beb7-5857-4685-be1f-d57550cc96cc" xsi:nil="true"/>
+    <MachineTranslated xmlns="4873beb7-5857-4685-be1f-d57550cc96cc">false</MachineTranslated>
+    <OriginalSourceMarket xmlns="4873beb7-5857-4685-be1f-d57550cc96cc" xsi:nil="true"/>
+    <APDescription xmlns="4873beb7-5857-4685-be1f-d57550cc96cc">This simple template design works for technology and  businesses, but it's versatile enough to use in other contexts.  It features multiple slide layouts designed for widescreen (16x9 resolution) and includes a sample SmartArt list and chart that are easily editable.</APDescription>
+    <ClipArtFilename xmlns="4873beb7-5857-4685-be1f-d57550cc96cc" xsi:nil="true"/>
+    <ContentItem xmlns="4873beb7-5857-4685-be1f-d57550cc96cc" xsi:nil="true"/>
+    <TPInstallLocation xmlns="4873beb7-5857-4685-be1f-d57550cc96cc" xsi:nil="true"/>
+    <PublishTargets xmlns="4873beb7-5857-4685-be1f-d57550cc96cc">OfficeOnlineVNext</PublishTargets>
+    <TimesCloned xmlns="4873beb7-5857-4685-be1f-d57550cc96cc" xsi:nil="true"/>
+    <AssetStart xmlns="4873beb7-5857-4685-be1f-d57550cc96cc">2011-11-26T00:30:00+00:00</AssetStart>
+    <Provider xmlns="4873beb7-5857-4685-be1f-d57550cc96cc" xsi:nil="true"/>
+    <AcquiredFrom xmlns="4873beb7-5857-4685-be1f-d57550cc96cc">Internal MS</AcquiredFrom>
+    <FriendlyTitle xmlns="4873beb7-5857-4685-be1f-d57550cc96cc" xsi:nil="true"/>
+    <LastHandOff xmlns="4873beb7-5857-4685-be1f-d57550cc96cc" xsi:nil="true"/>
+    <TPClientViewer xmlns="4873beb7-5857-4685-be1f-d57550cc96cc" xsi:nil="true"/>
+    <TemplateStatus xmlns="4873beb7-5857-4685-be1f-d57550cc96cc">Complete</TemplateStatus>
+    <Downloads xmlns="4873beb7-5857-4685-be1f-d57550cc96cc">0</Downloads>
+    <OOCacheId xmlns="4873beb7-5857-4685-be1f-d57550cc96cc" xsi:nil="true"/>
+    <IsDeleted xmlns="4873beb7-5857-4685-be1f-d57550cc96cc">false</IsDeleted>
+    <LocPublishedDependentAssetsLookup xmlns="4873beb7-5857-4685-be1f-d57550cc96cc" xsi:nil="true"/>
+    <TPExecutable xmlns="4873beb7-5857-4685-be1f-d57550cc96cc" xsi:nil="true"/>
+    <EditorialTags xmlns="4873beb7-5857-4685-be1f-d57550cc96cc" xsi:nil="true"/>
+    <SubmitterId xmlns="4873beb7-5857-4685-be1f-d57550cc96cc" xsi:nil="true"/>
+    <ApprovalLog xmlns="4873beb7-5857-4685-be1f-d57550cc96cc" xsi:nil="true"/>
+    <AssetType xmlns="4873beb7-5857-4685-be1f-d57550cc96cc">TP</AssetType>
+    <BugNumber xmlns="4873beb7-5857-4685-be1f-d57550cc96cc" xsi:nil="true"/>
+    <CSXSubmissionDate xmlns="4873beb7-5857-4685-be1f-d57550cc96cc" xsi:nil="true"/>
+    <CSXUpdate xmlns="4873beb7-5857-4685-be1f-d57550cc96cc">false</CSXUpdate>
+    <Milestone xmlns="4873beb7-5857-4685-be1f-d57550cc96cc" xsi:nil="true"/>
+    <RecommendationsModifier xmlns="4873beb7-5857-4685-be1f-d57550cc96cc" xsi:nil="true"/>
+    <OriginAsset xmlns="4873beb7-5857-4685-be1f-d57550cc96cc" xsi:nil="true"/>
+    <TPComponent xmlns="4873beb7-5857-4685-be1f-d57550cc96cc" xsi:nil="true"/>
+    <AssetId xmlns="4873beb7-5857-4685-be1f-d57550cc96cc">TP102787989</AssetId>
+    <IntlLocPriority xmlns="4873beb7-5857-4685-be1f-d57550cc96cc" xsi:nil="true"/>
+    <PolicheckWords xmlns="4873beb7-5857-4685-be1f-d57550cc96cc" xsi:nil="true"/>
+    <TPLaunchHelpLink xmlns="4873beb7-5857-4685-be1f-d57550cc96cc" xsi:nil="true"/>
+    <TPApplication xmlns="4873beb7-5857-4685-be1f-d57550cc96cc" xsi:nil="true"/>
+    <CrawlForDependencies xmlns="4873beb7-5857-4685-be1f-d57550cc96cc">false</CrawlForDependencies>
+    <HandoffToMSDN xmlns="4873beb7-5857-4685-be1f-d57550cc96cc" xsi:nil="true"/>
+    <PlannedPubDate xmlns="4873beb7-5857-4685-be1f-d57550cc96cc" xsi:nil="true"/>
+    <IntlLangReviewer xmlns="4873beb7-5857-4685-be1f-d57550cc96cc" xsi:nil="true"/>
+    <TrustLevel xmlns="4873beb7-5857-4685-be1f-d57550cc96cc">1 Microsoft Managed Content</TrustLevel>
+    <LocLastLocAttemptVersionLookup xmlns="4873beb7-5857-4685-be1f-d57550cc96cc">694266</LocLastLocAttemptVersionLookup>
+    <LocProcessedForHandoffsLookup xmlns="4873beb7-5857-4685-be1f-d57550cc96cc" xsi:nil="true"/>
+    <IsSearchable xmlns="4873beb7-5857-4685-be1f-d57550cc96cc">true</IsSearchable>
+    <TemplateTemplateType xmlns="4873beb7-5857-4685-be1f-d57550cc96cc">PowerPoint Presentation Template</TemplateTemplateType>
+    <CampaignTagsTaxHTField0 xmlns="4873beb7-5857-4685-be1f-d57550cc96cc">
+      <Terms xmlns="http://schemas.microsoft.com/office/infopath/2007/PartnerControls"/>
+    </CampaignTagsTaxHTField0>
+    <TPNamespace xmlns="4873beb7-5857-4685-be1f-d57550cc96cc" xsi:nil="true"/>
+    <LocOverallPreviewStatusLookup xmlns="4873beb7-5857-4685-be1f-d57550cc96cc" xsi:nil="true"/>
+    <TaxCatchAll xmlns="4873beb7-5857-4685-be1f-d57550cc96cc"/>
+    <Markets xmlns="4873beb7-5857-4685-be1f-d57550cc96cc"/>
+    <UAProjectedTotalWords xmlns="4873beb7-5857-4685-be1f-d57550cc96cc" xsi:nil="true"/>
+    <IntlLangReview xmlns="4873beb7-5857-4685-be1f-d57550cc96cc" xsi:nil="true"/>
+    <OutputCachingOn xmlns="4873beb7-5857-4685-be1f-d57550cc96cc">false</OutputCachingOn>
+    <AverageRating xmlns="4873beb7-5857-4685-be1f-d57550cc96cc" xsi:nil="true"/>
+    <APAuthor xmlns="4873beb7-5857-4685-be1f-d57550cc96cc">
+      <UserInfo>
+        <DisplayName>REDMOND\kristaa</DisplayName>
+        <AccountId>136</AccountId>
+        <AccountType/>
+      </UserInfo>
+    </APAuthor>
+    <LocManualTestRequired xmlns="4873beb7-5857-4685-be1f-d57550cc96cc">false</LocManualTestRequired>
+    <TPCommandLine xmlns="4873beb7-5857-4685-be1f-d57550cc96cc" xsi:nil="true"/>
+    <TPAppVersion xmlns="4873beb7-5857-4685-be1f-d57550cc96cc" xsi:nil="true"/>
+    <EditorialStatus xmlns="4873beb7-5857-4685-be1f-d57550cc96cc">Complete</EditorialStatus>
+    <LastModifiedDateTime xmlns="4873beb7-5857-4685-be1f-d57550cc96cc" xsi:nil="true"/>
+    <ScenarioTagsTaxHTField0 xmlns="4873beb7-5857-4685-be1f-d57550cc96cc">
+      <Terms xmlns="http://schemas.microsoft.com/office/infopath/2007/PartnerControls"/>
+    </ScenarioTagsTaxHTField0>
+    <LocProcessedForMarketsLookup xmlns="4873beb7-5857-4685-be1f-d57550cc96cc" xsi:nil="true"/>
+    <TPLaunchHelpLinkType xmlns="4873beb7-5857-4685-be1f-d57550cc96cc">Template</TPLaunchHelpLinkType>
+    <OriginalRelease xmlns="4873beb7-5857-4685-be1f-d57550cc96cc">15</OriginalRelease>
+    <LocalizationTagsTaxHTField0 xmlns="4873beb7-5857-4685-be1f-d57550cc96cc">
+      <Terms xmlns="http://schemas.microsoft.com/office/infopath/2007/PartnerControls"/>
+    </LocalizationTagsTaxHTField0>
+    <UACurrentWords xmlns="4873beb7-5857-4685-be1f-d57550cc96cc" xsi:nil="true"/>
+    <ArtSampleDocs xmlns="4873beb7-5857-4685-be1f-d57550cc96cc" xsi:nil="true"/>
+    <UALocRecommendation xmlns="4873beb7-5857-4685-be1f-d57550cc96cc">Localize</UALocRecommendation>
+    <Manager xmlns="4873beb7-5857-4685-be1f-d57550cc96cc" xsi:nil="true"/>
+    <LocOverallHandbackStatusLookup xmlns="4873beb7-5857-4685-be1f-d57550cc96cc" xsi:nil="true"/>
+    <ShowIn xmlns="4873beb7-5857-4685-be1f-d57550cc96cc">Show everywhere</ShowIn>
+    <UANotes xmlns="4873beb7-5857-4685-be1f-d57550cc96cc" xsi:nil="true"/>
+    <InternalTagsTaxHTField0 xmlns="4873beb7-5857-4685-be1f-d57550cc96cc">
+      <Terms xmlns="http://schemas.microsoft.com/office/infopath/2007/PartnerControls"/>
+    </InternalTagsTaxHTField0>
+    <CSXHash xmlns="4873beb7-5857-4685-be1f-d57550cc96cc" xsi:nil="true"/>
+    <VoteCount xmlns="4873beb7-5857-4685-be1f-d57550cc96cc" xsi:nil="true"/>
+    <AssetExpire xmlns="4873beb7-5857-4685-be1f-d57550cc96cc">2029-05-12T07:00:00+00:00</AssetExpire>
+    <DSATActionTaken xmlns="4873beb7-5857-4685-be1f-d57550cc96cc" xsi:nil="true"/>
+    <CSXSubmissionMarket xmlns="4873beb7-5857-4685-be1f-d57550cc96cc" xsi:nil="true"/>
+    <LocMarketGroupTiers2 xmlns="4873beb7-5857-4685-be1f-d57550cc96cc" xsi:nil="true"/>
+  </documentManagement>
+</p:properties>
+</file>
+
 <file path=customXml/itemProps1.xml><?xml version="1.0" encoding="utf-8"?>
 <ds:datastoreItem xmlns:ds="http://schemas.openxmlformats.org/officeDocument/2006/customXml" ds:itemID="{3836F65B-1B07-41EE-A0E8-BC6EF3855225}">
   <ds:schemaRefs>
@@ -15705,22 +15456,6 @@
 </file>
 
 <file path=customXml/itemProps2.xml><?xml version="1.0" encoding="utf-8"?>
-<ds:datastoreItem xmlns:ds="http://schemas.openxmlformats.org/officeDocument/2006/customXml" ds:itemID="{60C67BEE-D13F-4BD2-98A5-34D8A0977F68}">
-  <ds:schemaRefs>
-    <ds:schemaRef ds:uri="4873beb7-5857-4685-be1f-d57550cc96cc"/>
-    <ds:schemaRef ds:uri="http://purl.org/dc/terms/"/>
-    <ds:schemaRef ds:uri="http://schemas.openxmlformats.org/package/2006/metadata/core-properties"/>
-    <ds:schemaRef ds:uri="http://schemas.microsoft.com/office/2006/documentManagement/types"/>
-    <ds:schemaRef ds:uri="http://schemas.microsoft.com/office/infopath/2007/PartnerControls"/>
-    <ds:schemaRef ds:uri="http://purl.org/dc/elements/1.1/"/>
-    <ds:schemaRef ds:uri="http://schemas.microsoft.com/office/2006/metadata/properties"/>
-    <ds:schemaRef ds:uri="http://www.w3.org/XML/1998/namespace"/>
-    <ds:schemaRef ds:uri="http://purl.org/dc/dcmitype/"/>
-  </ds:schemaRefs>
-</ds:datastoreItem>
-</file>
-
-<file path=customXml/itemProps3.xml><?xml version="1.0" encoding="utf-8"?>
 <ds:datastoreItem xmlns:ds="http://schemas.openxmlformats.org/officeDocument/2006/customXml" ds:itemID="{A09BF4D4-EF60-4196-BFC3-9462D607978C}">
   <ds:schemaRefs>
     <ds:schemaRef ds:uri="http://schemas.microsoft.com/office/2006/metadata/contentType"/>
@@ -15736,4 +15471,20 @@
     <ds:schemaRef ds:uri="http://schemas.microsoft.com/internal/obd"/>
   </ds:schemaRefs>
 </ds:datastoreItem>
+</file>
+
+<file path=customXml/itemProps3.xml><?xml version="1.0" encoding="utf-8"?>
+<ds:datastoreItem xmlns:ds="http://schemas.openxmlformats.org/officeDocument/2006/customXml" ds:itemID="{60C67BEE-D13F-4BD2-98A5-34D8A0977F68}">
+  <ds:schemaRefs>
+    <ds:schemaRef ds:uri="4873beb7-5857-4685-be1f-d57550cc96cc"/>
+    <ds:schemaRef ds:uri="http://purl.org/dc/terms/"/>
+    <ds:schemaRef ds:uri="http://schemas.openxmlformats.org/package/2006/metadata/core-properties"/>
+    <ds:schemaRef ds:uri="http://schemas.microsoft.com/office/2006/documentManagement/types"/>
+    <ds:schemaRef ds:uri="http://schemas.microsoft.com/office/infopath/2007/PartnerControls"/>
+    <ds:schemaRef ds:uri="http://purl.org/dc/elements/1.1/"/>
+    <ds:schemaRef ds:uri="http://schemas.microsoft.com/office/2006/metadata/properties"/>
+    <ds:schemaRef ds:uri="http://www.w3.org/XML/1998/namespace"/>
+    <ds:schemaRef ds:uri="http://purl.org/dc/dcmitype/"/>
+  </ds:schemaRefs>
+</ds:datastoreItem>
 </file>